--- a/yolov11/doc/network.pptx
+++ b/yolov11/doc/network.pptx
@@ -5,10 +5,13 @@
     <p:sldMasterId id="2147483648" r:id="rId1"/>
   </p:sldMasterIdLst>
   <p:notesMasterIdLst>
-    <p:notesMasterId r:id="rId3"/>
+    <p:notesMasterId r:id="rId6"/>
   </p:notesMasterIdLst>
   <p:sldIdLst>
     <p:sldId id="257" r:id="rId2"/>
+    <p:sldId id="258" r:id="rId3"/>
+    <p:sldId id="259" r:id="rId4"/>
+    <p:sldId id="260" r:id="rId5"/>
   </p:sldIdLst>
   <p:sldSz cx="12192000" cy="6858000"/>
   <p:notesSz cx="6858000" cy="9144000"/>
@@ -107,6 +110,11 @@
       </a:defRPr>
     </a:lvl9pPr>
   </p:defaultTextStyle>
+  <p:extLst>
+    <p:ext uri="{EFAFB233-063F-42B5-8137-9DF3F51BA10A}">
+      <p15:sldGuideLst xmlns:p15="http://schemas.microsoft.com/office/powerpoint/2012/main"/>
+    </p:ext>
+  </p:extLst>
 </p:presentation>
 </file>
 
@@ -192,7 +200,7 @@
           <a:p>
             <a:fld id="{CE43482B-AAE2-4D82-BA80-F394E45956FB}" type="datetimeFigureOut">
               <a:rPr lang="en-US" smtClean="0"/>
-              <a:t>9/26/2025</a:t>
+              <a:t>10/3/2025</a:t>
             </a:fld>
             <a:endParaRPr lang="en-US"/>
           </a:p>
@@ -690,7 +698,7 @@
           <a:p>
             <a:fld id="{3A50BF58-CDC9-44CC-810E-826C18F21858}" type="datetimeFigureOut">
               <a:rPr lang="en-US" smtClean="0"/>
-              <a:t>9/26/2025</a:t>
+              <a:t>10/3/2025</a:t>
             </a:fld>
             <a:endParaRPr lang="en-US"/>
           </a:p>
@@ -888,7 +896,7 @@
           <a:p>
             <a:fld id="{3A50BF58-CDC9-44CC-810E-826C18F21858}" type="datetimeFigureOut">
               <a:rPr lang="en-US" smtClean="0"/>
-              <a:t>9/26/2025</a:t>
+              <a:t>10/3/2025</a:t>
             </a:fld>
             <a:endParaRPr lang="en-US"/>
           </a:p>
@@ -1096,7 +1104,7 @@
           <a:p>
             <a:fld id="{3A50BF58-CDC9-44CC-810E-826C18F21858}" type="datetimeFigureOut">
               <a:rPr lang="en-US" smtClean="0"/>
-              <a:t>9/26/2025</a:t>
+              <a:t>10/3/2025</a:t>
             </a:fld>
             <a:endParaRPr lang="en-US"/>
           </a:p>
@@ -1294,7 +1302,7 @@
           <a:p>
             <a:fld id="{3A50BF58-CDC9-44CC-810E-826C18F21858}" type="datetimeFigureOut">
               <a:rPr lang="en-US" smtClean="0"/>
-              <a:t>9/26/2025</a:t>
+              <a:t>10/3/2025</a:t>
             </a:fld>
             <a:endParaRPr lang="en-US"/>
           </a:p>
@@ -1569,7 +1577,7 @@
           <a:p>
             <a:fld id="{3A50BF58-CDC9-44CC-810E-826C18F21858}" type="datetimeFigureOut">
               <a:rPr lang="en-US" smtClean="0"/>
-              <a:t>9/26/2025</a:t>
+              <a:t>10/3/2025</a:t>
             </a:fld>
             <a:endParaRPr lang="en-US"/>
           </a:p>
@@ -1834,7 +1842,7 @@
           <a:p>
             <a:fld id="{3A50BF58-CDC9-44CC-810E-826C18F21858}" type="datetimeFigureOut">
               <a:rPr lang="en-US" smtClean="0"/>
-              <a:t>9/26/2025</a:t>
+              <a:t>10/3/2025</a:t>
             </a:fld>
             <a:endParaRPr lang="en-US"/>
           </a:p>
@@ -2246,7 +2254,7 @@
           <a:p>
             <a:fld id="{3A50BF58-CDC9-44CC-810E-826C18F21858}" type="datetimeFigureOut">
               <a:rPr lang="en-US" smtClean="0"/>
-              <a:t>9/26/2025</a:t>
+              <a:t>10/3/2025</a:t>
             </a:fld>
             <a:endParaRPr lang="en-US"/>
           </a:p>
@@ -2387,7 +2395,7 @@
           <a:p>
             <a:fld id="{3A50BF58-CDC9-44CC-810E-826C18F21858}" type="datetimeFigureOut">
               <a:rPr lang="en-US" smtClean="0"/>
-              <a:t>9/26/2025</a:t>
+              <a:t>10/3/2025</a:t>
             </a:fld>
             <a:endParaRPr lang="en-US"/>
           </a:p>
@@ -2500,7 +2508,7 @@
           <a:p>
             <a:fld id="{3A50BF58-CDC9-44CC-810E-826C18F21858}" type="datetimeFigureOut">
               <a:rPr lang="en-US" smtClean="0"/>
-              <a:t>9/26/2025</a:t>
+              <a:t>10/3/2025</a:t>
             </a:fld>
             <a:endParaRPr lang="en-US"/>
           </a:p>
@@ -2811,7 +2819,7 @@
           <a:p>
             <a:fld id="{3A50BF58-CDC9-44CC-810E-826C18F21858}" type="datetimeFigureOut">
               <a:rPr lang="en-US" smtClean="0"/>
-              <a:t>9/26/2025</a:t>
+              <a:t>10/3/2025</a:t>
             </a:fld>
             <a:endParaRPr lang="en-US"/>
           </a:p>
@@ -3099,7 +3107,7 @@
           <a:p>
             <a:fld id="{3A50BF58-CDC9-44CC-810E-826C18F21858}" type="datetimeFigureOut">
               <a:rPr lang="en-US" smtClean="0"/>
-              <a:t>9/26/2025</a:t>
+              <a:t>10/3/2025</a:t>
             </a:fld>
             <a:endParaRPr lang="en-US"/>
           </a:p>
@@ -3340,7 +3348,7 @@
           <a:p>
             <a:fld id="{3A50BF58-CDC9-44CC-810E-826C18F21858}" type="datetimeFigureOut">
               <a:rPr lang="en-US" smtClean="0"/>
-              <a:t>9/26/2025</a:t>
+              <a:t>10/3/2025</a:t>
             </a:fld>
             <a:endParaRPr lang="en-US"/>
           </a:p>
@@ -6157,6 +6165,5296 @@
     <p:extLst>
       <p:ext uri="{BB962C8B-B14F-4D97-AF65-F5344CB8AC3E}">
         <p14:creationId xmlns:p14="http://schemas.microsoft.com/office/powerpoint/2010/main" val="211796851"/>
+      </p:ext>
+    </p:extLst>
+  </p:cSld>
+  <p:clrMapOvr>
+    <a:masterClrMapping/>
+  </p:clrMapOvr>
+</p:sld>
+</file>
+
+<file path=ppt/slides/slide2.xml><?xml version="1.0" encoding="utf-8"?>
+<p:sld xmlns:a="http://schemas.openxmlformats.org/drawingml/2006/main" xmlns:r="http://schemas.openxmlformats.org/officeDocument/2006/relationships" xmlns:p="http://schemas.openxmlformats.org/presentationml/2006/main">
+  <p:cSld>
+    <p:spTree>
+      <p:nvGrpSpPr>
+        <p:cNvPr id="1" name=""/>
+        <p:cNvGrpSpPr/>
+        <p:nvPr/>
+      </p:nvGrpSpPr>
+      <p:grpSpPr>
+        <a:xfrm>
+          <a:off x="0" y="0"/>
+          <a:ext cx="0" cy="0"/>
+          <a:chOff x="0" y="0"/>
+          <a:chExt cx="0" cy="0"/>
+        </a:xfrm>
+      </p:grpSpPr>
+      <p:grpSp>
+        <p:nvGrpSpPr>
+          <p:cNvPr id="4" name="Group 3">
+            <a:extLst>
+              <a:ext uri="{FF2B5EF4-FFF2-40B4-BE49-F238E27FC236}">
+                <a16:creationId xmlns:a16="http://schemas.microsoft.com/office/drawing/2014/main" id="{F6CF010C-765C-2931-7715-3A82FC107AFC}"/>
+              </a:ext>
+            </a:extLst>
+          </p:cNvPr>
+          <p:cNvGrpSpPr>
+            <a:grpSpLocks noChangeAspect="1"/>
+          </p:cNvGrpSpPr>
+          <p:nvPr/>
+        </p:nvGrpSpPr>
+        <p:grpSpPr>
+          <a:xfrm>
+            <a:off x="2311400" y="107433"/>
+            <a:ext cx="6311900" cy="6274285"/>
+            <a:chOff x="1828800" y="-95767"/>
+            <a:chExt cx="6980734" cy="6939133"/>
+          </a:xfrm>
+        </p:grpSpPr>
+        <p:sp>
+          <p:nvSpPr>
+            <p:cNvPr id="5" name="Rectangle 4">
+              <a:extLst>
+                <a:ext uri="{FF2B5EF4-FFF2-40B4-BE49-F238E27FC236}">
+                  <a16:creationId xmlns:a16="http://schemas.microsoft.com/office/drawing/2014/main" id="{3FA62743-B5A9-8575-C9E4-0AEC9D096ADA}"/>
+                </a:ext>
+              </a:extLst>
+            </p:cNvPr>
+            <p:cNvSpPr/>
+            <p:nvPr/>
+          </p:nvSpPr>
+          <p:spPr>
+            <a:xfrm>
+              <a:off x="1828800" y="529168"/>
+              <a:ext cx="6255186" cy="6314198"/>
+            </a:xfrm>
+            <a:prstGeom prst="rect">
+              <a:avLst/>
+            </a:prstGeom>
+            <a:noFill/>
+            <a:ln>
+              <a:solidFill>
+                <a:srgbClr val="00B050"/>
+              </a:solidFill>
+            </a:ln>
+          </p:spPr>
+          <p:style>
+            <a:lnRef idx="2">
+              <a:schemeClr val="accent1">
+                <a:shade val="15000"/>
+              </a:schemeClr>
+            </a:lnRef>
+            <a:fillRef idx="1">
+              <a:schemeClr val="accent1"/>
+            </a:fillRef>
+            <a:effectRef idx="0">
+              <a:schemeClr val="accent1"/>
+            </a:effectRef>
+            <a:fontRef idx="minor">
+              <a:schemeClr val="lt1"/>
+            </a:fontRef>
+          </p:style>
+          <p:txBody>
+            <a:bodyPr rtlCol="0" anchor="ctr"/>
+            <a:lstStyle/>
+            <a:p>
+              <a:pPr algn="ctr"/>
+              <a:endParaRPr lang="en-US"/>
+            </a:p>
+          </p:txBody>
+        </p:sp>
+        <p:sp>
+          <p:nvSpPr>
+            <p:cNvPr id="6" name="Rectangle 5">
+              <a:extLst>
+                <a:ext uri="{FF2B5EF4-FFF2-40B4-BE49-F238E27FC236}">
+                  <a16:creationId xmlns:a16="http://schemas.microsoft.com/office/drawing/2014/main" id="{80A7BBF5-B63E-0D92-457B-1A15F9F888BB}"/>
+                </a:ext>
+              </a:extLst>
+            </p:cNvPr>
+            <p:cNvSpPr/>
+            <p:nvPr/>
+          </p:nvSpPr>
+          <p:spPr>
+            <a:xfrm>
+              <a:off x="4099949" y="2643738"/>
+              <a:ext cx="1957984" cy="2114568"/>
+            </a:xfrm>
+            <a:prstGeom prst="rect">
+              <a:avLst/>
+            </a:prstGeom>
+            <a:noFill/>
+            <a:ln>
+              <a:solidFill>
+                <a:srgbClr val="C00000"/>
+              </a:solidFill>
+            </a:ln>
+          </p:spPr>
+          <p:style>
+            <a:lnRef idx="2">
+              <a:schemeClr val="accent1">
+                <a:shade val="15000"/>
+              </a:schemeClr>
+            </a:lnRef>
+            <a:fillRef idx="1">
+              <a:schemeClr val="accent1"/>
+            </a:fillRef>
+            <a:effectRef idx="0">
+              <a:schemeClr val="accent1"/>
+            </a:effectRef>
+            <a:fontRef idx="minor">
+              <a:schemeClr val="lt1"/>
+            </a:fontRef>
+          </p:style>
+          <p:txBody>
+            <a:bodyPr rtlCol="0" anchor="ctr"/>
+            <a:lstStyle/>
+            <a:p>
+              <a:pPr algn="ctr"/>
+              <a:endParaRPr lang="en-US"/>
+            </a:p>
+          </p:txBody>
+        </p:sp>
+        <p:grpSp>
+          <p:nvGrpSpPr>
+            <p:cNvPr id="7" name="Group 6">
+              <a:extLst>
+                <a:ext uri="{FF2B5EF4-FFF2-40B4-BE49-F238E27FC236}">
+                  <a16:creationId xmlns:a16="http://schemas.microsoft.com/office/drawing/2014/main" id="{6EC4B086-6B56-CDD4-42A5-47F2CBD83582}"/>
+                </a:ext>
+              </a:extLst>
+            </p:cNvPr>
+            <p:cNvGrpSpPr/>
+            <p:nvPr/>
+          </p:nvGrpSpPr>
+          <p:grpSpPr>
+            <a:xfrm>
+              <a:off x="1828800" y="-95767"/>
+              <a:ext cx="6314197" cy="497078"/>
+              <a:chOff x="1828800" y="-95767"/>
+              <a:chExt cx="6314197" cy="497078"/>
+            </a:xfrm>
+          </p:grpSpPr>
+          <p:grpSp>
+            <p:nvGrpSpPr>
+              <p:cNvPr id="18" name="Group 17">
+                <a:extLst>
+                  <a:ext uri="{FF2B5EF4-FFF2-40B4-BE49-F238E27FC236}">
+                    <a16:creationId xmlns:a16="http://schemas.microsoft.com/office/drawing/2014/main" id="{C4617559-2473-0BFD-AA82-8BBC29BF0ADD}"/>
+                  </a:ext>
+                </a:extLst>
+              </p:cNvPr>
+              <p:cNvGrpSpPr/>
+              <p:nvPr/>
+            </p:nvGrpSpPr>
+            <p:grpSpPr>
+              <a:xfrm>
+                <a:off x="1828800" y="-95767"/>
+                <a:ext cx="2085062" cy="497078"/>
+                <a:chOff x="584200" y="1847333"/>
+                <a:chExt cx="2692400" cy="641867"/>
+              </a:xfrm>
+            </p:grpSpPr>
+            <p:sp>
+              <p:nvSpPr>
+                <p:cNvPr id="25" name="Right Brace 24">
+                  <a:extLst>
+                    <a:ext uri="{FF2B5EF4-FFF2-40B4-BE49-F238E27FC236}">
+                      <a16:creationId xmlns:a16="http://schemas.microsoft.com/office/drawing/2014/main" id="{921ED951-168B-C2A6-015D-25D6CA197E46}"/>
+                    </a:ext>
+                  </a:extLst>
+                </p:cNvPr>
+                <p:cNvSpPr/>
+                <p:nvPr/>
+              </p:nvSpPr>
+              <p:spPr>
+                <a:xfrm rot="16200000">
+                  <a:off x="1784350" y="996950"/>
+                  <a:ext cx="292100" cy="2692400"/>
+                </a:xfrm>
+                <a:prstGeom prst="rightBrace">
+                  <a:avLst/>
+                </a:prstGeom>
+              </p:spPr>
+              <p:style>
+                <a:lnRef idx="2">
+                  <a:schemeClr val="accent1"/>
+                </a:lnRef>
+                <a:fillRef idx="0">
+                  <a:schemeClr val="accent1"/>
+                </a:fillRef>
+                <a:effectRef idx="1">
+                  <a:schemeClr val="accent1"/>
+                </a:effectRef>
+                <a:fontRef idx="minor">
+                  <a:schemeClr val="tx1"/>
+                </a:fontRef>
+              </p:style>
+              <p:txBody>
+                <a:bodyPr rtlCol="0" anchor="ctr"/>
+                <a:lstStyle/>
+                <a:p>
+                  <a:pPr algn="ctr"/>
+                  <a:endParaRPr lang="en-US"/>
+                </a:p>
+              </p:txBody>
+            </p:sp>
+            <p:sp>
+              <p:nvSpPr>
+                <p:cNvPr id="26" name="TextBox 25">
+                  <a:extLst>
+                    <a:ext uri="{FF2B5EF4-FFF2-40B4-BE49-F238E27FC236}">
+                      <a16:creationId xmlns:a16="http://schemas.microsoft.com/office/drawing/2014/main" id="{456626D4-79BF-6151-FF3C-12CC05D2586D}"/>
+                    </a:ext>
+                  </a:extLst>
+                </p:cNvPr>
+                <p:cNvSpPr txBox="1"/>
+                <p:nvPr/>
+              </p:nvSpPr>
+              <p:spPr>
+                <a:xfrm>
+                  <a:off x="1778000" y="1847333"/>
+                  <a:ext cx="1308100" cy="369332"/>
+                </a:xfrm>
+                <a:prstGeom prst="rect">
+                  <a:avLst/>
+                </a:prstGeom>
+                <a:noFill/>
+              </p:spPr>
+              <p:txBody>
+                <a:bodyPr wrap="square" rtlCol="0">
+                  <a:spAutoFit/>
+                </a:bodyPr>
+                <a:lstStyle/>
+                <a:p>
+                  <a:r>
+                    <a:rPr lang="en-US" dirty="0"/>
+                    <a:t>s</a:t>
+                  </a:r>
+                </a:p>
+              </p:txBody>
+            </p:sp>
+          </p:grpSp>
+          <p:grpSp>
+            <p:nvGrpSpPr>
+              <p:cNvPr id="19" name="Group 18">
+                <a:extLst>
+                  <a:ext uri="{FF2B5EF4-FFF2-40B4-BE49-F238E27FC236}">
+                    <a16:creationId xmlns:a16="http://schemas.microsoft.com/office/drawing/2014/main" id="{7EE3CB90-5DC6-ED1D-8EF4-E21B34D28AA4}"/>
+                  </a:ext>
+                </a:extLst>
+              </p:cNvPr>
+              <p:cNvGrpSpPr/>
+              <p:nvPr/>
+            </p:nvGrpSpPr>
+            <p:grpSpPr>
+              <a:xfrm>
+                <a:off x="3943368" y="-95767"/>
+                <a:ext cx="2085062" cy="497078"/>
+                <a:chOff x="584200" y="1847333"/>
+                <a:chExt cx="2692400" cy="641867"/>
+              </a:xfrm>
+            </p:grpSpPr>
+            <p:sp>
+              <p:nvSpPr>
+                <p:cNvPr id="23" name="Right Brace 22">
+                  <a:extLst>
+                    <a:ext uri="{FF2B5EF4-FFF2-40B4-BE49-F238E27FC236}">
+                      <a16:creationId xmlns:a16="http://schemas.microsoft.com/office/drawing/2014/main" id="{215C1919-9ED6-E300-A175-1ABA7187A53C}"/>
+                    </a:ext>
+                  </a:extLst>
+                </p:cNvPr>
+                <p:cNvSpPr/>
+                <p:nvPr/>
+              </p:nvSpPr>
+              <p:spPr>
+                <a:xfrm rot="16200000">
+                  <a:off x="1784350" y="996950"/>
+                  <a:ext cx="292100" cy="2692400"/>
+                </a:xfrm>
+                <a:prstGeom prst="rightBrace">
+                  <a:avLst/>
+                </a:prstGeom>
+              </p:spPr>
+              <p:style>
+                <a:lnRef idx="2">
+                  <a:schemeClr val="accent1"/>
+                </a:lnRef>
+                <a:fillRef idx="0">
+                  <a:schemeClr val="accent1"/>
+                </a:fillRef>
+                <a:effectRef idx="1">
+                  <a:schemeClr val="accent1"/>
+                </a:effectRef>
+                <a:fontRef idx="minor">
+                  <a:schemeClr val="tx1"/>
+                </a:fontRef>
+              </p:style>
+              <p:txBody>
+                <a:bodyPr rtlCol="0" anchor="ctr"/>
+                <a:lstStyle/>
+                <a:p>
+                  <a:pPr algn="ctr"/>
+                  <a:endParaRPr lang="en-US"/>
+                </a:p>
+              </p:txBody>
+            </p:sp>
+            <p:sp>
+              <p:nvSpPr>
+                <p:cNvPr id="24" name="TextBox 23">
+                  <a:extLst>
+                    <a:ext uri="{FF2B5EF4-FFF2-40B4-BE49-F238E27FC236}">
+                      <a16:creationId xmlns:a16="http://schemas.microsoft.com/office/drawing/2014/main" id="{A2597CCD-E894-CA68-6791-2DA5879D02DC}"/>
+                    </a:ext>
+                  </a:extLst>
+                </p:cNvPr>
+                <p:cNvSpPr txBox="1"/>
+                <p:nvPr/>
+              </p:nvSpPr>
+              <p:spPr>
+                <a:xfrm>
+                  <a:off x="1778000" y="1847333"/>
+                  <a:ext cx="1308100" cy="369332"/>
+                </a:xfrm>
+                <a:prstGeom prst="rect">
+                  <a:avLst/>
+                </a:prstGeom>
+                <a:noFill/>
+              </p:spPr>
+              <p:txBody>
+                <a:bodyPr wrap="square" rtlCol="0">
+                  <a:spAutoFit/>
+                </a:bodyPr>
+                <a:lstStyle/>
+                <a:p>
+                  <a:r>
+                    <a:rPr lang="en-US" dirty="0"/>
+                    <a:t>s</a:t>
+                  </a:r>
+                </a:p>
+              </p:txBody>
+            </p:sp>
+          </p:grpSp>
+          <p:grpSp>
+            <p:nvGrpSpPr>
+              <p:cNvPr id="20" name="Group 19">
+                <a:extLst>
+                  <a:ext uri="{FF2B5EF4-FFF2-40B4-BE49-F238E27FC236}">
+                    <a16:creationId xmlns:a16="http://schemas.microsoft.com/office/drawing/2014/main" id="{79212A1A-D50E-47E2-E1A7-E817BED1A1BD}"/>
+                  </a:ext>
+                </a:extLst>
+              </p:cNvPr>
+              <p:cNvGrpSpPr/>
+              <p:nvPr/>
+            </p:nvGrpSpPr>
+            <p:grpSpPr>
+              <a:xfrm>
+                <a:off x="6057935" y="-95767"/>
+                <a:ext cx="2085062" cy="497078"/>
+                <a:chOff x="584200" y="1847333"/>
+                <a:chExt cx="2692400" cy="641867"/>
+              </a:xfrm>
+            </p:grpSpPr>
+            <p:sp>
+              <p:nvSpPr>
+                <p:cNvPr id="21" name="Right Brace 20">
+                  <a:extLst>
+                    <a:ext uri="{FF2B5EF4-FFF2-40B4-BE49-F238E27FC236}">
+                      <a16:creationId xmlns:a16="http://schemas.microsoft.com/office/drawing/2014/main" id="{7FCFA5D4-8C31-9D17-0BA1-6E7C05E1D1F0}"/>
+                    </a:ext>
+                  </a:extLst>
+                </p:cNvPr>
+                <p:cNvSpPr/>
+                <p:nvPr/>
+              </p:nvSpPr>
+              <p:spPr>
+                <a:xfrm rot="16200000">
+                  <a:off x="1784350" y="996950"/>
+                  <a:ext cx="292100" cy="2692400"/>
+                </a:xfrm>
+                <a:prstGeom prst="rightBrace">
+                  <a:avLst/>
+                </a:prstGeom>
+              </p:spPr>
+              <p:style>
+                <a:lnRef idx="2">
+                  <a:schemeClr val="accent1"/>
+                </a:lnRef>
+                <a:fillRef idx="0">
+                  <a:schemeClr val="accent1"/>
+                </a:fillRef>
+                <a:effectRef idx="1">
+                  <a:schemeClr val="accent1"/>
+                </a:effectRef>
+                <a:fontRef idx="minor">
+                  <a:schemeClr val="tx1"/>
+                </a:fontRef>
+              </p:style>
+              <p:txBody>
+                <a:bodyPr rtlCol="0" anchor="ctr"/>
+                <a:lstStyle/>
+                <a:p>
+                  <a:pPr algn="ctr"/>
+                  <a:endParaRPr lang="en-US"/>
+                </a:p>
+              </p:txBody>
+            </p:sp>
+            <p:sp>
+              <p:nvSpPr>
+                <p:cNvPr id="22" name="TextBox 21">
+                  <a:extLst>
+                    <a:ext uri="{FF2B5EF4-FFF2-40B4-BE49-F238E27FC236}">
+                      <a16:creationId xmlns:a16="http://schemas.microsoft.com/office/drawing/2014/main" id="{0F3877A7-4991-6E98-5193-077B6465EEE3}"/>
+                    </a:ext>
+                  </a:extLst>
+                </p:cNvPr>
+                <p:cNvSpPr txBox="1"/>
+                <p:nvPr/>
+              </p:nvSpPr>
+              <p:spPr>
+                <a:xfrm>
+                  <a:off x="1778000" y="1847333"/>
+                  <a:ext cx="1308100" cy="369332"/>
+                </a:xfrm>
+                <a:prstGeom prst="rect">
+                  <a:avLst/>
+                </a:prstGeom>
+                <a:noFill/>
+              </p:spPr>
+              <p:txBody>
+                <a:bodyPr wrap="square" rtlCol="0">
+                  <a:spAutoFit/>
+                </a:bodyPr>
+                <a:lstStyle/>
+                <a:p>
+                  <a:r>
+                    <a:rPr lang="en-US" dirty="0"/>
+                    <a:t>s</a:t>
+                  </a:r>
+                </a:p>
+              </p:txBody>
+            </p:sp>
+          </p:grpSp>
+        </p:grpSp>
+        <p:grpSp>
+          <p:nvGrpSpPr>
+            <p:cNvPr id="8" name="Group 7">
+              <a:extLst>
+                <a:ext uri="{FF2B5EF4-FFF2-40B4-BE49-F238E27FC236}">
+                  <a16:creationId xmlns:a16="http://schemas.microsoft.com/office/drawing/2014/main" id="{A8DB0B97-BA12-D8B1-3023-20F67BC4BB1A}"/>
+                </a:ext>
+              </a:extLst>
+            </p:cNvPr>
+            <p:cNvGrpSpPr/>
+            <p:nvPr/>
+          </p:nvGrpSpPr>
+          <p:grpSpPr>
+            <a:xfrm rot="5400000">
+              <a:off x="5403896" y="3437728"/>
+              <a:ext cx="6314197" cy="497078"/>
+              <a:chOff x="1828800" y="-95767"/>
+              <a:chExt cx="6314197" cy="497078"/>
+            </a:xfrm>
+          </p:grpSpPr>
+          <p:grpSp>
+            <p:nvGrpSpPr>
+              <p:cNvPr id="9" name="Group 8">
+                <a:extLst>
+                  <a:ext uri="{FF2B5EF4-FFF2-40B4-BE49-F238E27FC236}">
+                    <a16:creationId xmlns:a16="http://schemas.microsoft.com/office/drawing/2014/main" id="{1EBBAD90-DDFF-6179-C830-49929D080130}"/>
+                  </a:ext>
+                </a:extLst>
+              </p:cNvPr>
+              <p:cNvGrpSpPr/>
+              <p:nvPr/>
+            </p:nvGrpSpPr>
+            <p:grpSpPr>
+              <a:xfrm>
+                <a:off x="1828800" y="-95767"/>
+                <a:ext cx="2085062" cy="497078"/>
+                <a:chOff x="584200" y="1847333"/>
+                <a:chExt cx="2692400" cy="641867"/>
+              </a:xfrm>
+            </p:grpSpPr>
+            <p:sp>
+              <p:nvSpPr>
+                <p:cNvPr id="16" name="Right Brace 15">
+                  <a:extLst>
+                    <a:ext uri="{FF2B5EF4-FFF2-40B4-BE49-F238E27FC236}">
+                      <a16:creationId xmlns:a16="http://schemas.microsoft.com/office/drawing/2014/main" id="{95278DBB-638F-A3E6-D632-D7EBB6A0BCBC}"/>
+                    </a:ext>
+                  </a:extLst>
+                </p:cNvPr>
+                <p:cNvSpPr/>
+                <p:nvPr/>
+              </p:nvSpPr>
+              <p:spPr>
+                <a:xfrm rot="16200000">
+                  <a:off x="1784350" y="996950"/>
+                  <a:ext cx="292100" cy="2692400"/>
+                </a:xfrm>
+                <a:prstGeom prst="rightBrace">
+                  <a:avLst/>
+                </a:prstGeom>
+              </p:spPr>
+              <p:style>
+                <a:lnRef idx="2">
+                  <a:schemeClr val="accent1"/>
+                </a:lnRef>
+                <a:fillRef idx="0">
+                  <a:schemeClr val="accent1"/>
+                </a:fillRef>
+                <a:effectRef idx="1">
+                  <a:schemeClr val="accent1"/>
+                </a:effectRef>
+                <a:fontRef idx="minor">
+                  <a:schemeClr val="tx1"/>
+                </a:fontRef>
+              </p:style>
+              <p:txBody>
+                <a:bodyPr rtlCol="0" anchor="ctr"/>
+                <a:lstStyle/>
+                <a:p>
+                  <a:pPr algn="ctr"/>
+                  <a:endParaRPr lang="en-US"/>
+                </a:p>
+              </p:txBody>
+            </p:sp>
+            <p:sp>
+              <p:nvSpPr>
+                <p:cNvPr id="17" name="TextBox 16">
+                  <a:extLst>
+                    <a:ext uri="{FF2B5EF4-FFF2-40B4-BE49-F238E27FC236}">
+                      <a16:creationId xmlns:a16="http://schemas.microsoft.com/office/drawing/2014/main" id="{D2331D39-8120-A378-981C-5E0969188F42}"/>
+                    </a:ext>
+                  </a:extLst>
+                </p:cNvPr>
+                <p:cNvSpPr txBox="1"/>
+                <p:nvPr/>
+              </p:nvSpPr>
+              <p:spPr>
+                <a:xfrm>
+                  <a:off x="1778000" y="1847333"/>
+                  <a:ext cx="1308100" cy="369332"/>
+                </a:xfrm>
+                <a:prstGeom prst="rect">
+                  <a:avLst/>
+                </a:prstGeom>
+                <a:noFill/>
+              </p:spPr>
+              <p:txBody>
+                <a:bodyPr wrap="square" rtlCol="0">
+                  <a:spAutoFit/>
+                </a:bodyPr>
+                <a:lstStyle/>
+                <a:p>
+                  <a:r>
+                    <a:rPr lang="en-US" dirty="0"/>
+                    <a:t>s</a:t>
+                  </a:r>
+                </a:p>
+              </p:txBody>
+            </p:sp>
+          </p:grpSp>
+          <p:grpSp>
+            <p:nvGrpSpPr>
+              <p:cNvPr id="10" name="Group 9">
+                <a:extLst>
+                  <a:ext uri="{FF2B5EF4-FFF2-40B4-BE49-F238E27FC236}">
+                    <a16:creationId xmlns:a16="http://schemas.microsoft.com/office/drawing/2014/main" id="{F293EBFE-08F3-4CE7-7C49-482812FEDD4E}"/>
+                  </a:ext>
+                </a:extLst>
+              </p:cNvPr>
+              <p:cNvGrpSpPr/>
+              <p:nvPr/>
+            </p:nvGrpSpPr>
+            <p:grpSpPr>
+              <a:xfrm>
+                <a:off x="3943368" y="-95767"/>
+                <a:ext cx="2085062" cy="497078"/>
+                <a:chOff x="584200" y="1847333"/>
+                <a:chExt cx="2692400" cy="641867"/>
+              </a:xfrm>
+            </p:grpSpPr>
+            <p:sp>
+              <p:nvSpPr>
+                <p:cNvPr id="14" name="Right Brace 13">
+                  <a:extLst>
+                    <a:ext uri="{FF2B5EF4-FFF2-40B4-BE49-F238E27FC236}">
+                      <a16:creationId xmlns:a16="http://schemas.microsoft.com/office/drawing/2014/main" id="{60E97152-2A54-6DFC-71EF-FC61C076DCCA}"/>
+                    </a:ext>
+                  </a:extLst>
+                </p:cNvPr>
+                <p:cNvSpPr/>
+                <p:nvPr/>
+              </p:nvSpPr>
+              <p:spPr>
+                <a:xfrm rot="16200000">
+                  <a:off x="1784350" y="996950"/>
+                  <a:ext cx="292100" cy="2692400"/>
+                </a:xfrm>
+                <a:prstGeom prst="rightBrace">
+                  <a:avLst/>
+                </a:prstGeom>
+              </p:spPr>
+              <p:style>
+                <a:lnRef idx="2">
+                  <a:schemeClr val="accent1"/>
+                </a:lnRef>
+                <a:fillRef idx="0">
+                  <a:schemeClr val="accent1"/>
+                </a:fillRef>
+                <a:effectRef idx="1">
+                  <a:schemeClr val="accent1"/>
+                </a:effectRef>
+                <a:fontRef idx="minor">
+                  <a:schemeClr val="tx1"/>
+                </a:fontRef>
+              </p:style>
+              <p:txBody>
+                <a:bodyPr rtlCol="0" anchor="ctr"/>
+                <a:lstStyle/>
+                <a:p>
+                  <a:pPr algn="ctr"/>
+                  <a:endParaRPr lang="en-US"/>
+                </a:p>
+              </p:txBody>
+            </p:sp>
+            <p:sp>
+              <p:nvSpPr>
+                <p:cNvPr id="15" name="TextBox 14">
+                  <a:extLst>
+                    <a:ext uri="{FF2B5EF4-FFF2-40B4-BE49-F238E27FC236}">
+                      <a16:creationId xmlns:a16="http://schemas.microsoft.com/office/drawing/2014/main" id="{E058109E-9954-3214-10A7-9C182BE1CFEC}"/>
+                    </a:ext>
+                  </a:extLst>
+                </p:cNvPr>
+                <p:cNvSpPr txBox="1"/>
+                <p:nvPr/>
+              </p:nvSpPr>
+              <p:spPr>
+                <a:xfrm>
+                  <a:off x="1778000" y="1847333"/>
+                  <a:ext cx="1308100" cy="369332"/>
+                </a:xfrm>
+                <a:prstGeom prst="rect">
+                  <a:avLst/>
+                </a:prstGeom>
+                <a:noFill/>
+              </p:spPr>
+              <p:txBody>
+                <a:bodyPr wrap="square" rtlCol="0">
+                  <a:spAutoFit/>
+                </a:bodyPr>
+                <a:lstStyle/>
+                <a:p>
+                  <a:r>
+                    <a:rPr lang="en-US" dirty="0"/>
+                    <a:t>s</a:t>
+                  </a:r>
+                </a:p>
+              </p:txBody>
+            </p:sp>
+          </p:grpSp>
+          <p:grpSp>
+            <p:nvGrpSpPr>
+              <p:cNvPr id="11" name="Group 10">
+                <a:extLst>
+                  <a:ext uri="{FF2B5EF4-FFF2-40B4-BE49-F238E27FC236}">
+                    <a16:creationId xmlns:a16="http://schemas.microsoft.com/office/drawing/2014/main" id="{3C9B6946-A15C-AF9B-8BD7-A94AE6438F24}"/>
+                  </a:ext>
+                </a:extLst>
+              </p:cNvPr>
+              <p:cNvGrpSpPr/>
+              <p:nvPr/>
+            </p:nvGrpSpPr>
+            <p:grpSpPr>
+              <a:xfrm>
+                <a:off x="6057935" y="-95767"/>
+                <a:ext cx="2085062" cy="497078"/>
+                <a:chOff x="584200" y="1847333"/>
+                <a:chExt cx="2692400" cy="641867"/>
+              </a:xfrm>
+            </p:grpSpPr>
+            <p:sp>
+              <p:nvSpPr>
+                <p:cNvPr id="12" name="Right Brace 11">
+                  <a:extLst>
+                    <a:ext uri="{FF2B5EF4-FFF2-40B4-BE49-F238E27FC236}">
+                      <a16:creationId xmlns:a16="http://schemas.microsoft.com/office/drawing/2014/main" id="{7A6ACBB7-EBD2-EB79-5555-1C314A310061}"/>
+                    </a:ext>
+                  </a:extLst>
+                </p:cNvPr>
+                <p:cNvSpPr/>
+                <p:nvPr/>
+              </p:nvSpPr>
+              <p:spPr>
+                <a:xfrm rot="16200000">
+                  <a:off x="1784350" y="996950"/>
+                  <a:ext cx="292100" cy="2692400"/>
+                </a:xfrm>
+                <a:prstGeom prst="rightBrace">
+                  <a:avLst/>
+                </a:prstGeom>
+              </p:spPr>
+              <p:style>
+                <a:lnRef idx="2">
+                  <a:schemeClr val="accent1"/>
+                </a:lnRef>
+                <a:fillRef idx="0">
+                  <a:schemeClr val="accent1"/>
+                </a:fillRef>
+                <a:effectRef idx="1">
+                  <a:schemeClr val="accent1"/>
+                </a:effectRef>
+                <a:fontRef idx="minor">
+                  <a:schemeClr val="tx1"/>
+                </a:fontRef>
+              </p:style>
+              <p:txBody>
+                <a:bodyPr rtlCol="0" anchor="ctr"/>
+                <a:lstStyle/>
+                <a:p>
+                  <a:pPr algn="ctr"/>
+                  <a:endParaRPr lang="en-US"/>
+                </a:p>
+              </p:txBody>
+            </p:sp>
+            <p:sp>
+              <p:nvSpPr>
+                <p:cNvPr id="13" name="TextBox 12">
+                  <a:extLst>
+                    <a:ext uri="{FF2B5EF4-FFF2-40B4-BE49-F238E27FC236}">
+                      <a16:creationId xmlns:a16="http://schemas.microsoft.com/office/drawing/2014/main" id="{CCEC1179-24F5-8E88-4DAC-C2009DB30AD3}"/>
+                    </a:ext>
+                  </a:extLst>
+                </p:cNvPr>
+                <p:cNvSpPr txBox="1"/>
+                <p:nvPr/>
+              </p:nvSpPr>
+              <p:spPr>
+                <a:xfrm>
+                  <a:off x="1778000" y="1847333"/>
+                  <a:ext cx="1308100" cy="369332"/>
+                </a:xfrm>
+                <a:prstGeom prst="rect">
+                  <a:avLst/>
+                </a:prstGeom>
+                <a:noFill/>
+              </p:spPr>
+              <p:txBody>
+                <a:bodyPr wrap="square" rtlCol="0">
+                  <a:spAutoFit/>
+                </a:bodyPr>
+                <a:lstStyle/>
+                <a:p>
+                  <a:r>
+                    <a:rPr lang="en-US" dirty="0"/>
+                    <a:t>s</a:t>
+                  </a:r>
+                </a:p>
+              </p:txBody>
+            </p:sp>
+          </p:grpSp>
+        </p:grpSp>
+      </p:grpSp>
+      <p:sp>
+        <p:nvSpPr>
+          <p:cNvPr id="27" name="TextBox 26">
+            <a:extLst>
+              <a:ext uri="{FF2B5EF4-FFF2-40B4-BE49-F238E27FC236}">
+                <a16:creationId xmlns:a16="http://schemas.microsoft.com/office/drawing/2014/main" id="{DF15CEF4-A63E-B666-22E3-82A283DDD082}"/>
+              </a:ext>
+            </a:extLst>
+          </p:cNvPr>
+          <p:cNvSpPr txBox="1"/>
+          <p:nvPr/>
+        </p:nvSpPr>
+        <p:spPr>
+          <a:xfrm>
+            <a:off x="4351646" y="2590435"/>
+            <a:ext cx="915966" cy="369332"/>
+          </a:xfrm>
+          <a:prstGeom prst="rect">
+            <a:avLst/>
+          </a:prstGeom>
+          <a:noFill/>
+        </p:spPr>
+        <p:txBody>
+          <a:bodyPr wrap="square" rtlCol="0">
+            <a:spAutoFit/>
+          </a:bodyPr>
+          <a:lstStyle/>
+          <a:p>
+            <a:r>
+              <a:rPr lang="en-US" dirty="0">
+                <a:solidFill>
+                  <a:srgbClr val="C00000"/>
+                </a:solidFill>
+              </a:rPr>
+              <a:t>(</a:t>
+            </a:r>
+            <a:r>
+              <a:rPr lang="en-US" dirty="0" err="1">
+                <a:solidFill>
+                  <a:srgbClr val="C00000"/>
+                </a:solidFill>
+              </a:rPr>
+              <a:t>s,s</a:t>
+            </a:r>
+            <a:r>
+              <a:rPr lang="en-US" dirty="0">
+                <a:solidFill>
+                  <a:srgbClr val="C00000"/>
+                </a:solidFill>
+              </a:rPr>
+              <a:t>)</a:t>
+            </a:r>
+          </a:p>
+        </p:txBody>
+      </p:sp>
+      <p:sp>
+        <p:nvSpPr>
+          <p:cNvPr id="28" name="TextBox 27">
+            <a:extLst>
+              <a:ext uri="{FF2B5EF4-FFF2-40B4-BE49-F238E27FC236}">
+                <a16:creationId xmlns:a16="http://schemas.microsoft.com/office/drawing/2014/main" id="{D044BEBE-291C-87C2-912E-A69D9B6E6772}"/>
+              </a:ext>
+            </a:extLst>
+          </p:cNvPr>
+          <p:cNvSpPr txBox="1"/>
+          <p:nvPr/>
+        </p:nvSpPr>
+        <p:spPr>
+          <a:xfrm>
+            <a:off x="4775200" y="4100418"/>
+            <a:ext cx="1482593" cy="369332"/>
+          </a:xfrm>
+          <a:prstGeom prst="rect">
+            <a:avLst/>
+          </a:prstGeom>
+          <a:noFill/>
+        </p:spPr>
+        <p:txBody>
+          <a:bodyPr wrap="square" rtlCol="0">
+            <a:spAutoFit/>
+          </a:bodyPr>
+          <a:lstStyle/>
+          <a:p>
+            <a:r>
+              <a:rPr lang="en-US" dirty="0">
+                <a:solidFill>
+                  <a:srgbClr val="C00000"/>
+                </a:solidFill>
+              </a:rPr>
+              <a:t>(s+w0,s+h0)</a:t>
+            </a:r>
+          </a:p>
+        </p:txBody>
+      </p:sp>
+      <p:sp>
+        <p:nvSpPr>
+          <p:cNvPr id="29" name="Rectangle 28">
+            <a:extLst>
+              <a:ext uri="{FF2B5EF4-FFF2-40B4-BE49-F238E27FC236}">
+                <a16:creationId xmlns:a16="http://schemas.microsoft.com/office/drawing/2014/main" id="{6C9793C1-A354-0FF7-A317-2E9A21A92423}"/>
+              </a:ext>
+            </a:extLst>
+          </p:cNvPr>
+          <p:cNvSpPr/>
+          <p:nvPr/>
+        </p:nvSpPr>
+        <p:spPr>
+          <a:xfrm>
+            <a:off x="6135334" y="2584462"/>
+            <a:ext cx="1831934" cy="1911968"/>
+          </a:xfrm>
+          <a:prstGeom prst="rect">
+            <a:avLst/>
+          </a:prstGeom>
+          <a:noFill/>
+          <a:ln>
+            <a:solidFill>
+              <a:srgbClr val="002060"/>
+            </a:solidFill>
+          </a:ln>
+        </p:spPr>
+        <p:style>
+          <a:lnRef idx="2">
+            <a:schemeClr val="accent1">
+              <a:shade val="15000"/>
+            </a:schemeClr>
+          </a:lnRef>
+          <a:fillRef idx="1">
+            <a:schemeClr val="accent1"/>
+          </a:fillRef>
+          <a:effectRef idx="0">
+            <a:schemeClr val="accent1"/>
+          </a:effectRef>
+          <a:fontRef idx="minor">
+            <a:schemeClr val="lt1"/>
+          </a:fontRef>
+        </p:style>
+        <p:txBody>
+          <a:bodyPr rtlCol="0" anchor="ctr"/>
+          <a:lstStyle/>
+          <a:p>
+            <a:pPr algn="ctr"/>
+            <a:endParaRPr lang="en-US"/>
+          </a:p>
+        </p:txBody>
+      </p:sp>
+      <p:sp>
+        <p:nvSpPr>
+          <p:cNvPr id="30" name="TextBox 29">
+            <a:extLst>
+              <a:ext uri="{FF2B5EF4-FFF2-40B4-BE49-F238E27FC236}">
+                <a16:creationId xmlns:a16="http://schemas.microsoft.com/office/drawing/2014/main" id="{B642B7B2-44A2-B52B-31B0-12CE17953123}"/>
+              </a:ext>
+            </a:extLst>
+          </p:cNvPr>
+          <p:cNvSpPr txBox="1"/>
+          <p:nvPr/>
+        </p:nvSpPr>
+        <p:spPr>
+          <a:xfrm>
+            <a:off x="6134057" y="2557782"/>
+            <a:ext cx="1482593" cy="369332"/>
+          </a:xfrm>
+          <a:prstGeom prst="rect">
+            <a:avLst/>
+          </a:prstGeom>
+          <a:noFill/>
+        </p:spPr>
+        <p:txBody>
+          <a:bodyPr wrap="square" rtlCol="0">
+            <a:spAutoFit/>
+          </a:bodyPr>
+          <a:lstStyle/>
+          <a:p>
+            <a:r>
+              <a:rPr lang="en-US" dirty="0">
+                <a:solidFill>
+                  <a:schemeClr val="accent1">
+                    <a:lumMod val="50000"/>
+                  </a:schemeClr>
+                </a:solidFill>
+              </a:rPr>
+              <a:t>(s+w0,s)</a:t>
+            </a:r>
+          </a:p>
+        </p:txBody>
+      </p:sp>
+      <p:sp>
+        <p:nvSpPr>
+          <p:cNvPr id="31" name="TextBox 30">
+            <a:extLst>
+              <a:ext uri="{FF2B5EF4-FFF2-40B4-BE49-F238E27FC236}">
+                <a16:creationId xmlns:a16="http://schemas.microsoft.com/office/drawing/2014/main" id="{236284AB-7A48-00B0-3D71-5A33FCB86B58}"/>
+              </a:ext>
+            </a:extLst>
+          </p:cNvPr>
+          <p:cNvSpPr txBox="1"/>
+          <p:nvPr/>
+        </p:nvSpPr>
+        <p:spPr>
+          <a:xfrm>
+            <a:off x="6253802" y="4127097"/>
+            <a:ext cx="1897571" cy="369332"/>
+          </a:xfrm>
+          <a:prstGeom prst="rect">
+            <a:avLst/>
+          </a:prstGeom>
+          <a:noFill/>
+        </p:spPr>
+        <p:txBody>
+          <a:bodyPr wrap="square" rtlCol="0">
+            <a:spAutoFit/>
+          </a:bodyPr>
+          <a:lstStyle/>
+          <a:p>
+            <a:r>
+              <a:rPr lang="en-US" dirty="0">
+                <a:solidFill>
+                  <a:schemeClr val="accent1">
+                    <a:lumMod val="50000"/>
+                  </a:schemeClr>
+                </a:solidFill>
+              </a:rPr>
+              <a:t>(s+w0+w1,s+h1)</a:t>
+            </a:r>
+          </a:p>
+        </p:txBody>
+      </p:sp>
+      <p:sp>
+        <p:nvSpPr>
+          <p:cNvPr id="32" name="Rectangle 31">
+            <a:extLst>
+              <a:ext uri="{FF2B5EF4-FFF2-40B4-BE49-F238E27FC236}">
+                <a16:creationId xmlns:a16="http://schemas.microsoft.com/office/drawing/2014/main" id="{28CDB3EB-0939-0B3A-41B3-7047CA965396}"/>
+              </a:ext>
+            </a:extLst>
+          </p:cNvPr>
+          <p:cNvSpPr/>
+          <p:nvPr/>
+        </p:nvSpPr>
+        <p:spPr>
+          <a:xfrm>
+            <a:off x="2439040" y="2761262"/>
+            <a:ext cx="1911968" cy="1735168"/>
+          </a:xfrm>
+          <a:prstGeom prst="rect">
+            <a:avLst/>
+          </a:prstGeom>
+          <a:noFill/>
+          <a:ln>
+            <a:solidFill>
+              <a:srgbClr val="7030A0"/>
+            </a:solidFill>
+          </a:ln>
+        </p:spPr>
+        <p:style>
+          <a:lnRef idx="2">
+            <a:schemeClr val="accent1">
+              <a:shade val="15000"/>
+            </a:schemeClr>
+          </a:lnRef>
+          <a:fillRef idx="1">
+            <a:schemeClr val="accent1"/>
+          </a:fillRef>
+          <a:effectRef idx="0">
+            <a:schemeClr val="accent1"/>
+          </a:effectRef>
+          <a:fontRef idx="minor">
+            <a:schemeClr val="lt1"/>
+          </a:fontRef>
+        </p:style>
+        <p:txBody>
+          <a:bodyPr rtlCol="0" anchor="ctr"/>
+          <a:lstStyle/>
+          <a:p>
+            <a:pPr algn="ctr"/>
+            <a:endParaRPr lang="en-US">
+              <a:solidFill>
+                <a:srgbClr val="7030A0"/>
+              </a:solidFill>
+            </a:endParaRPr>
+          </a:p>
+        </p:txBody>
+      </p:sp>
+      <p:sp>
+        <p:nvSpPr>
+          <p:cNvPr id="33" name="TextBox 32">
+            <a:extLst>
+              <a:ext uri="{FF2B5EF4-FFF2-40B4-BE49-F238E27FC236}">
+                <a16:creationId xmlns:a16="http://schemas.microsoft.com/office/drawing/2014/main" id="{B82B105D-F0A8-5A6F-2EA6-A031D9A38841}"/>
+              </a:ext>
+            </a:extLst>
+          </p:cNvPr>
+          <p:cNvSpPr txBox="1"/>
+          <p:nvPr/>
+        </p:nvSpPr>
+        <p:spPr>
+          <a:xfrm>
+            <a:off x="2474615" y="2761262"/>
+            <a:ext cx="1767873" cy="369332"/>
+          </a:xfrm>
+          <a:prstGeom prst="rect">
+            <a:avLst/>
+          </a:prstGeom>
+          <a:noFill/>
+        </p:spPr>
+        <p:txBody>
+          <a:bodyPr wrap="square" rtlCol="0">
+            <a:spAutoFit/>
+          </a:bodyPr>
+          <a:lstStyle/>
+          <a:p>
+            <a:r>
+              <a:rPr lang="en-US" dirty="0">
+                <a:solidFill>
+                  <a:srgbClr val="7030A0"/>
+                </a:solidFill>
+              </a:rPr>
+              <a:t>(s-w2,s+h0-h2)</a:t>
+            </a:r>
+          </a:p>
+        </p:txBody>
+      </p:sp>
+      <p:sp>
+        <p:nvSpPr>
+          <p:cNvPr id="34" name="TextBox 33">
+            <a:extLst>
+              <a:ext uri="{FF2B5EF4-FFF2-40B4-BE49-F238E27FC236}">
+                <a16:creationId xmlns:a16="http://schemas.microsoft.com/office/drawing/2014/main" id="{BD848423-6AC9-6E3A-B8D5-319BE3009C14}"/>
+              </a:ext>
+            </a:extLst>
+          </p:cNvPr>
+          <p:cNvSpPr txBox="1"/>
+          <p:nvPr/>
+        </p:nvSpPr>
+        <p:spPr>
+          <a:xfrm>
+            <a:off x="3365480" y="4127097"/>
+            <a:ext cx="1588681" cy="369332"/>
+          </a:xfrm>
+          <a:prstGeom prst="rect">
+            <a:avLst/>
+          </a:prstGeom>
+          <a:noFill/>
+        </p:spPr>
+        <p:txBody>
+          <a:bodyPr wrap="square" rtlCol="0">
+            <a:spAutoFit/>
+          </a:bodyPr>
+          <a:lstStyle/>
+          <a:p>
+            <a:r>
+              <a:rPr lang="en-US" dirty="0">
+                <a:solidFill>
+                  <a:srgbClr val="7030A0"/>
+                </a:solidFill>
+              </a:rPr>
+              <a:t>(s,s+h0)</a:t>
+            </a:r>
+          </a:p>
+        </p:txBody>
+      </p:sp>
+      <p:sp>
+        <p:nvSpPr>
+          <p:cNvPr id="35" name="TextBox 34">
+            <a:extLst>
+              <a:ext uri="{FF2B5EF4-FFF2-40B4-BE49-F238E27FC236}">
+                <a16:creationId xmlns:a16="http://schemas.microsoft.com/office/drawing/2014/main" id="{3871DBEB-1E10-784D-6E3E-77950297DEE5}"/>
+              </a:ext>
+            </a:extLst>
+          </p:cNvPr>
+          <p:cNvSpPr txBox="1"/>
+          <p:nvPr/>
+        </p:nvSpPr>
+        <p:spPr>
+          <a:xfrm>
+            <a:off x="5074183" y="3312773"/>
+            <a:ext cx="1059874" cy="369332"/>
+          </a:xfrm>
+          <a:prstGeom prst="rect">
+            <a:avLst/>
+          </a:prstGeom>
+          <a:noFill/>
+        </p:spPr>
+        <p:txBody>
+          <a:bodyPr wrap="square" rtlCol="0">
+            <a:spAutoFit/>
+          </a:bodyPr>
+          <a:lstStyle/>
+          <a:p>
+            <a:r>
+              <a:rPr lang="en-US" dirty="0"/>
+              <a:t>im0</a:t>
+            </a:r>
+          </a:p>
+        </p:txBody>
+      </p:sp>
+      <p:sp>
+        <p:nvSpPr>
+          <p:cNvPr id="36" name="TextBox 35">
+            <a:extLst>
+              <a:ext uri="{FF2B5EF4-FFF2-40B4-BE49-F238E27FC236}">
+                <a16:creationId xmlns:a16="http://schemas.microsoft.com/office/drawing/2014/main" id="{4897BA12-1411-C86D-2207-F31C3A9CCA1E}"/>
+              </a:ext>
+            </a:extLst>
+          </p:cNvPr>
+          <p:cNvSpPr txBox="1"/>
+          <p:nvPr/>
+        </p:nvSpPr>
+        <p:spPr>
+          <a:xfrm>
+            <a:off x="6679455" y="3262248"/>
+            <a:ext cx="1059874" cy="369332"/>
+          </a:xfrm>
+          <a:prstGeom prst="rect">
+            <a:avLst/>
+          </a:prstGeom>
+          <a:noFill/>
+        </p:spPr>
+        <p:txBody>
+          <a:bodyPr wrap="square" rtlCol="0">
+            <a:spAutoFit/>
+          </a:bodyPr>
+          <a:lstStyle/>
+          <a:p>
+            <a:r>
+              <a:rPr lang="en-US" dirty="0"/>
+              <a:t>im1</a:t>
+            </a:r>
+          </a:p>
+        </p:txBody>
+      </p:sp>
+      <p:sp>
+        <p:nvSpPr>
+          <p:cNvPr id="37" name="TextBox 36">
+            <a:extLst>
+              <a:ext uri="{FF2B5EF4-FFF2-40B4-BE49-F238E27FC236}">
+                <a16:creationId xmlns:a16="http://schemas.microsoft.com/office/drawing/2014/main" id="{BDCA1D29-FFB0-B0ED-13C7-7CA3851C096B}"/>
+              </a:ext>
+            </a:extLst>
+          </p:cNvPr>
+          <p:cNvSpPr txBox="1"/>
+          <p:nvPr/>
+        </p:nvSpPr>
+        <p:spPr>
+          <a:xfrm>
+            <a:off x="3123361" y="3414220"/>
+            <a:ext cx="1059874" cy="369332"/>
+          </a:xfrm>
+          <a:prstGeom prst="rect">
+            <a:avLst/>
+          </a:prstGeom>
+          <a:noFill/>
+        </p:spPr>
+        <p:txBody>
+          <a:bodyPr wrap="square" rtlCol="0">
+            <a:spAutoFit/>
+          </a:bodyPr>
+          <a:lstStyle/>
+          <a:p>
+            <a:r>
+              <a:rPr lang="en-US" dirty="0"/>
+              <a:t>im2</a:t>
+            </a:r>
+          </a:p>
+        </p:txBody>
+      </p:sp>
+      <p:cxnSp>
+        <p:nvCxnSpPr>
+          <p:cNvPr id="39" name="Straight Arrow Connector 38">
+            <a:extLst>
+              <a:ext uri="{FF2B5EF4-FFF2-40B4-BE49-F238E27FC236}">
+                <a16:creationId xmlns:a16="http://schemas.microsoft.com/office/drawing/2014/main" id="{06FFEC01-5D37-BA2C-B7B5-16CA0571EEB8}"/>
+              </a:ext>
+            </a:extLst>
+          </p:cNvPr>
+          <p:cNvCxnSpPr/>
+          <p:nvPr/>
+        </p:nvCxnSpPr>
+        <p:spPr>
+          <a:xfrm>
+            <a:off x="2311399" y="2761262"/>
+            <a:ext cx="163216" cy="0"/>
+          </a:xfrm>
+          <a:prstGeom prst="straightConnector1">
+            <a:avLst/>
+          </a:prstGeom>
+          <a:ln>
+            <a:solidFill>
+              <a:srgbClr val="7030A0"/>
+            </a:solidFill>
+            <a:tailEnd type="triangle" w="lg" len="lg"/>
+          </a:ln>
+        </p:spPr>
+        <p:style>
+          <a:lnRef idx="2">
+            <a:schemeClr val="accent1"/>
+          </a:lnRef>
+          <a:fillRef idx="0">
+            <a:schemeClr val="accent1"/>
+          </a:fillRef>
+          <a:effectRef idx="1">
+            <a:schemeClr val="accent1"/>
+          </a:effectRef>
+          <a:fontRef idx="minor">
+            <a:schemeClr val="tx1"/>
+          </a:fontRef>
+        </p:style>
+      </p:cxnSp>
+      <p:sp>
+        <p:nvSpPr>
+          <p:cNvPr id="41" name="TextBox 40">
+            <a:extLst>
+              <a:ext uri="{FF2B5EF4-FFF2-40B4-BE49-F238E27FC236}">
+                <a16:creationId xmlns:a16="http://schemas.microsoft.com/office/drawing/2014/main" id="{B07D5587-9615-0AA9-D81F-CE830514FC79}"/>
+              </a:ext>
+            </a:extLst>
+          </p:cNvPr>
+          <p:cNvSpPr txBox="1"/>
+          <p:nvPr/>
+        </p:nvSpPr>
+        <p:spPr>
+          <a:xfrm>
+            <a:off x="2491253" y="1179343"/>
+            <a:ext cx="2076403" cy="369332"/>
+          </a:xfrm>
+          <a:prstGeom prst="rect">
+            <a:avLst/>
+          </a:prstGeom>
+          <a:noFill/>
+        </p:spPr>
+        <p:txBody>
+          <a:bodyPr wrap="square">
+            <a:spAutoFit/>
+          </a:bodyPr>
+          <a:lstStyle/>
+          <a:p>
+            <a:r>
+              <a:rPr lang="en-US" dirty="0">
+                <a:solidFill>
+                  <a:srgbClr val="7030A0"/>
+                </a:solidFill>
+              </a:rPr>
+              <a:t>padh2=s+h0-h2</a:t>
+            </a:r>
+            <a:endParaRPr lang="en-US" dirty="0"/>
+          </a:p>
+        </p:txBody>
+      </p:sp>
+      <p:cxnSp>
+        <p:nvCxnSpPr>
+          <p:cNvPr id="43" name="Straight Arrow Connector 42">
+            <a:extLst>
+              <a:ext uri="{FF2B5EF4-FFF2-40B4-BE49-F238E27FC236}">
+                <a16:creationId xmlns:a16="http://schemas.microsoft.com/office/drawing/2014/main" id="{CF099B0F-0481-4D44-1EF9-F2309E52D7DF}"/>
+              </a:ext>
+            </a:extLst>
+          </p:cNvPr>
+          <p:cNvCxnSpPr>
+            <a:cxnSpLocks/>
+          </p:cNvCxnSpPr>
+          <p:nvPr/>
+        </p:nvCxnSpPr>
+        <p:spPr>
+          <a:xfrm flipH="1">
+            <a:off x="2491253" y="672492"/>
+            <a:ext cx="0" cy="2088770"/>
+          </a:xfrm>
+          <a:prstGeom prst="straightConnector1">
+            <a:avLst/>
+          </a:prstGeom>
+          <a:ln>
+            <a:solidFill>
+              <a:srgbClr val="7030A0"/>
+            </a:solidFill>
+            <a:tailEnd type="triangle" w="lg" len="lg"/>
+          </a:ln>
+        </p:spPr>
+        <p:style>
+          <a:lnRef idx="2">
+            <a:schemeClr val="accent1"/>
+          </a:lnRef>
+          <a:fillRef idx="0">
+            <a:schemeClr val="accent1"/>
+          </a:fillRef>
+          <a:effectRef idx="1">
+            <a:schemeClr val="accent1"/>
+          </a:effectRef>
+          <a:fontRef idx="minor">
+            <a:schemeClr val="tx1"/>
+          </a:fontRef>
+        </p:style>
+      </p:cxnSp>
+      <p:sp>
+        <p:nvSpPr>
+          <p:cNvPr id="44" name="TextBox 43">
+            <a:extLst>
+              <a:ext uri="{FF2B5EF4-FFF2-40B4-BE49-F238E27FC236}">
+                <a16:creationId xmlns:a16="http://schemas.microsoft.com/office/drawing/2014/main" id="{82CFCBBD-25D0-40CC-169D-857FE97C3793}"/>
+              </a:ext>
+            </a:extLst>
+          </p:cNvPr>
+          <p:cNvSpPr txBox="1"/>
+          <p:nvPr/>
+        </p:nvSpPr>
+        <p:spPr>
+          <a:xfrm>
+            <a:off x="825920" y="2625996"/>
+            <a:ext cx="1744195" cy="369332"/>
+          </a:xfrm>
+          <a:prstGeom prst="rect">
+            <a:avLst/>
+          </a:prstGeom>
+          <a:noFill/>
+        </p:spPr>
+        <p:txBody>
+          <a:bodyPr wrap="square">
+            <a:spAutoFit/>
+          </a:bodyPr>
+          <a:lstStyle/>
+          <a:p>
+            <a:r>
+              <a:rPr lang="en-US" dirty="0">
+                <a:solidFill>
+                  <a:srgbClr val="7030A0"/>
+                </a:solidFill>
+              </a:rPr>
+              <a:t>padw2=s+w2</a:t>
+            </a:r>
+            <a:endParaRPr lang="en-US" dirty="0"/>
+          </a:p>
+        </p:txBody>
+      </p:sp>
+      <p:cxnSp>
+        <p:nvCxnSpPr>
+          <p:cNvPr id="45" name="Straight Arrow Connector 44">
+            <a:extLst>
+              <a:ext uri="{FF2B5EF4-FFF2-40B4-BE49-F238E27FC236}">
+                <a16:creationId xmlns:a16="http://schemas.microsoft.com/office/drawing/2014/main" id="{2EF37F98-1C92-BADA-650E-C2F9B7947EE8}"/>
+              </a:ext>
+            </a:extLst>
+          </p:cNvPr>
+          <p:cNvCxnSpPr/>
+          <p:nvPr/>
+        </p:nvCxnSpPr>
+        <p:spPr>
+          <a:xfrm>
+            <a:off x="2311399" y="2619387"/>
+            <a:ext cx="2103120" cy="0"/>
+          </a:xfrm>
+          <a:prstGeom prst="straightConnector1">
+            <a:avLst/>
+          </a:prstGeom>
+          <a:ln>
+            <a:solidFill>
+              <a:srgbClr val="C00000"/>
+            </a:solidFill>
+            <a:tailEnd type="triangle" w="lg" len="lg"/>
+          </a:ln>
+        </p:spPr>
+        <p:style>
+          <a:lnRef idx="2">
+            <a:schemeClr val="accent1"/>
+          </a:lnRef>
+          <a:fillRef idx="0">
+            <a:schemeClr val="accent1"/>
+          </a:fillRef>
+          <a:effectRef idx="1">
+            <a:schemeClr val="accent1"/>
+          </a:effectRef>
+          <a:fontRef idx="minor">
+            <a:schemeClr val="tx1"/>
+          </a:fontRef>
+        </p:style>
+      </p:cxnSp>
+      <p:sp>
+        <p:nvSpPr>
+          <p:cNvPr id="46" name="TextBox 45">
+            <a:extLst>
+              <a:ext uri="{FF2B5EF4-FFF2-40B4-BE49-F238E27FC236}">
+                <a16:creationId xmlns:a16="http://schemas.microsoft.com/office/drawing/2014/main" id="{023809D5-A42B-4F4E-FF89-97B3D6592A80}"/>
+              </a:ext>
+            </a:extLst>
+          </p:cNvPr>
+          <p:cNvSpPr txBox="1"/>
+          <p:nvPr/>
+        </p:nvSpPr>
+        <p:spPr>
+          <a:xfrm>
+            <a:off x="3453450" y="2283992"/>
+            <a:ext cx="2076403" cy="369332"/>
+          </a:xfrm>
+          <a:prstGeom prst="rect">
+            <a:avLst/>
+          </a:prstGeom>
+          <a:noFill/>
+          <a:ln>
+            <a:noFill/>
+          </a:ln>
+        </p:spPr>
+        <p:txBody>
+          <a:bodyPr wrap="square">
+            <a:spAutoFit/>
+          </a:bodyPr>
+          <a:lstStyle/>
+          <a:p>
+            <a:r>
+              <a:rPr lang="en-US" dirty="0" err="1">
+                <a:solidFill>
+                  <a:srgbClr val="C00000"/>
+                </a:solidFill>
+              </a:rPr>
+              <a:t>padw</a:t>
+            </a:r>
+            <a:r>
+              <a:rPr lang="en-US" dirty="0">
+                <a:solidFill>
+                  <a:srgbClr val="C00000"/>
+                </a:solidFill>
+              </a:rPr>
+              <a:t>=s</a:t>
+            </a:r>
+          </a:p>
+        </p:txBody>
+      </p:sp>
+      <p:cxnSp>
+        <p:nvCxnSpPr>
+          <p:cNvPr id="47" name="Straight Arrow Connector 46">
+            <a:extLst>
+              <a:ext uri="{FF2B5EF4-FFF2-40B4-BE49-F238E27FC236}">
+                <a16:creationId xmlns:a16="http://schemas.microsoft.com/office/drawing/2014/main" id="{2B0F4B72-7071-AA48-89C7-7950A6CC497B}"/>
+              </a:ext>
+            </a:extLst>
+          </p:cNvPr>
+          <p:cNvCxnSpPr>
+            <a:cxnSpLocks/>
+          </p:cNvCxnSpPr>
+          <p:nvPr/>
+        </p:nvCxnSpPr>
+        <p:spPr>
+          <a:xfrm>
+            <a:off x="4382090" y="751114"/>
+            <a:ext cx="0" cy="1833347"/>
+          </a:xfrm>
+          <a:prstGeom prst="straightConnector1">
+            <a:avLst/>
+          </a:prstGeom>
+          <a:ln>
+            <a:solidFill>
+              <a:srgbClr val="C00000"/>
+            </a:solidFill>
+            <a:tailEnd type="triangle" w="lg" len="lg"/>
+          </a:ln>
+        </p:spPr>
+        <p:style>
+          <a:lnRef idx="2">
+            <a:schemeClr val="accent1"/>
+          </a:lnRef>
+          <a:fillRef idx="0">
+            <a:schemeClr val="accent1"/>
+          </a:fillRef>
+          <a:effectRef idx="1">
+            <a:schemeClr val="accent1"/>
+          </a:effectRef>
+          <a:fontRef idx="minor">
+            <a:schemeClr val="tx1"/>
+          </a:fontRef>
+        </p:style>
+      </p:cxnSp>
+      <p:sp>
+        <p:nvSpPr>
+          <p:cNvPr id="49" name="TextBox 48">
+            <a:extLst>
+              <a:ext uri="{FF2B5EF4-FFF2-40B4-BE49-F238E27FC236}">
+                <a16:creationId xmlns:a16="http://schemas.microsoft.com/office/drawing/2014/main" id="{4AD17600-484C-AB2A-8D6C-EF4732515084}"/>
+              </a:ext>
+            </a:extLst>
+          </p:cNvPr>
+          <p:cNvSpPr txBox="1"/>
+          <p:nvPr/>
+        </p:nvSpPr>
+        <p:spPr>
+          <a:xfrm>
+            <a:off x="4347146" y="2067063"/>
+            <a:ext cx="1169350" cy="369332"/>
+          </a:xfrm>
+          <a:prstGeom prst="rect">
+            <a:avLst/>
+          </a:prstGeom>
+          <a:noFill/>
+          <a:ln>
+            <a:noFill/>
+          </a:ln>
+        </p:spPr>
+        <p:txBody>
+          <a:bodyPr wrap="square">
+            <a:spAutoFit/>
+          </a:bodyPr>
+          <a:lstStyle/>
+          <a:p>
+            <a:r>
+              <a:rPr lang="en-US" dirty="0" err="1">
+                <a:solidFill>
+                  <a:srgbClr val="C00000"/>
+                </a:solidFill>
+              </a:rPr>
+              <a:t>padh</a:t>
+            </a:r>
+            <a:r>
+              <a:rPr lang="en-US" dirty="0">
+                <a:solidFill>
+                  <a:srgbClr val="C00000"/>
+                </a:solidFill>
+              </a:rPr>
+              <a:t>=s</a:t>
+            </a:r>
+          </a:p>
+        </p:txBody>
+      </p:sp>
+      <p:sp>
+        <p:nvSpPr>
+          <p:cNvPr id="50" name="TextBox 49">
+            <a:extLst>
+              <a:ext uri="{FF2B5EF4-FFF2-40B4-BE49-F238E27FC236}">
+                <a16:creationId xmlns:a16="http://schemas.microsoft.com/office/drawing/2014/main" id="{AAF2325F-8C12-DC59-A9EF-68C618758A20}"/>
+              </a:ext>
+            </a:extLst>
+          </p:cNvPr>
+          <p:cNvSpPr txBox="1"/>
+          <p:nvPr/>
+        </p:nvSpPr>
+        <p:spPr>
+          <a:xfrm>
+            <a:off x="8651589" y="1828972"/>
+            <a:ext cx="3274786" cy="1754326"/>
+          </a:xfrm>
+          <a:prstGeom prst="rect">
+            <a:avLst/>
+          </a:prstGeom>
+          <a:noFill/>
+        </p:spPr>
+        <p:txBody>
+          <a:bodyPr wrap="square" rtlCol="0">
+            <a:spAutoFit/>
+          </a:bodyPr>
+          <a:lstStyle/>
+          <a:p>
+            <a:r>
+              <a:rPr lang="en-US" dirty="0"/>
+              <a:t>Boxes are shifted by</a:t>
+            </a:r>
+          </a:p>
+          <a:p>
+            <a:r>
+              <a:rPr lang="en-US" dirty="0" err="1"/>
+              <a:t>padw+s</a:t>
+            </a:r>
+            <a:r>
+              <a:rPr lang="en-US" dirty="0"/>
+              <a:t>/2, </a:t>
+            </a:r>
+            <a:r>
+              <a:rPr lang="en-US" dirty="0" err="1"/>
+              <a:t>padh+s</a:t>
+            </a:r>
+            <a:r>
+              <a:rPr lang="en-US" dirty="0"/>
+              <a:t>/2 because the final image is the crop s/2 from left/right and s/2 from top/bottom.</a:t>
+            </a:r>
+          </a:p>
+          <a:p>
+            <a:endParaRPr lang="en-US" dirty="0"/>
+          </a:p>
+        </p:txBody>
+      </p:sp>
+      <p:sp>
+        <p:nvSpPr>
+          <p:cNvPr id="51" name="Rectangle 50">
+            <a:extLst>
+              <a:ext uri="{FF2B5EF4-FFF2-40B4-BE49-F238E27FC236}">
+                <a16:creationId xmlns:a16="http://schemas.microsoft.com/office/drawing/2014/main" id="{33AA648B-BAF6-6D2A-E593-27F38FC2C543}"/>
+              </a:ext>
+            </a:extLst>
+          </p:cNvPr>
+          <p:cNvSpPr/>
+          <p:nvPr/>
+        </p:nvSpPr>
+        <p:spPr>
+          <a:xfrm>
+            <a:off x="3276600" y="1595821"/>
+            <a:ext cx="3897084" cy="3999435"/>
+          </a:xfrm>
+          <a:prstGeom prst="rect">
+            <a:avLst/>
+          </a:prstGeom>
+          <a:noFill/>
+          <a:ln w="73025">
+            <a:solidFill>
+              <a:schemeClr val="tx1"/>
+            </a:solidFill>
+          </a:ln>
+        </p:spPr>
+        <p:style>
+          <a:lnRef idx="2">
+            <a:schemeClr val="accent1">
+              <a:shade val="15000"/>
+            </a:schemeClr>
+          </a:lnRef>
+          <a:fillRef idx="1">
+            <a:schemeClr val="accent1"/>
+          </a:fillRef>
+          <a:effectRef idx="0">
+            <a:schemeClr val="accent1"/>
+          </a:effectRef>
+          <a:fontRef idx="minor">
+            <a:schemeClr val="lt1"/>
+          </a:fontRef>
+        </p:style>
+        <p:txBody>
+          <a:bodyPr rtlCol="0" anchor="ctr"/>
+          <a:lstStyle/>
+          <a:p>
+            <a:pPr algn="ctr"/>
+            <a:endParaRPr lang="en-US"/>
+          </a:p>
+        </p:txBody>
+      </p:sp>
+      <p:sp>
+        <p:nvSpPr>
+          <p:cNvPr id="2" name="TextBox 1">
+            <a:extLst>
+              <a:ext uri="{FF2B5EF4-FFF2-40B4-BE49-F238E27FC236}">
+                <a16:creationId xmlns:a16="http://schemas.microsoft.com/office/drawing/2014/main" id="{8DD2931A-C366-11DD-B087-F01958DC9466}"/>
+              </a:ext>
+            </a:extLst>
+          </p:cNvPr>
+          <p:cNvSpPr txBox="1"/>
+          <p:nvPr/>
+        </p:nvSpPr>
+        <p:spPr>
+          <a:xfrm>
+            <a:off x="509286" y="751114"/>
+            <a:ext cx="1319514" cy="369332"/>
+          </a:xfrm>
+          <a:prstGeom prst="rect">
+            <a:avLst/>
+          </a:prstGeom>
+          <a:noFill/>
+        </p:spPr>
+        <p:txBody>
+          <a:bodyPr wrap="square" rtlCol="0">
+            <a:spAutoFit/>
+          </a:bodyPr>
+          <a:lstStyle/>
+          <a:p>
+            <a:r>
+              <a:rPr lang="en-US" dirty="0"/>
+              <a:t>Mosaic 3</a:t>
+            </a:r>
+          </a:p>
+        </p:txBody>
+      </p:sp>
+    </p:spTree>
+    <p:extLst>
+      <p:ext uri="{BB962C8B-B14F-4D97-AF65-F5344CB8AC3E}">
+        <p14:creationId xmlns:p14="http://schemas.microsoft.com/office/powerpoint/2010/main" val="781401181"/>
+      </p:ext>
+    </p:extLst>
+  </p:cSld>
+  <p:clrMapOvr>
+    <a:masterClrMapping/>
+  </p:clrMapOvr>
+</p:sld>
+</file>
+
+<file path=ppt/slides/slide3.xml><?xml version="1.0" encoding="utf-8"?>
+<p:sld xmlns:a="http://schemas.openxmlformats.org/drawingml/2006/main" xmlns:r="http://schemas.openxmlformats.org/officeDocument/2006/relationships" xmlns:p="http://schemas.openxmlformats.org/presentationml/2006/main">
+  <p:cSld>
+    <p:spTree>
+      <p:nvGrpSpPr>
+        <p:cNvPr id="1" name=""/>
+        <p:cNvGrpSpPr/>
+        <p:nvPr/>
+      </p:nvGrpSpPr>
+      <p:grpSpPr>
+        <a:xfrm>
+          <a:off x="0" y="0"/>
+          <a:ext cx="0" cy="0"/>
+          <a:chOff x="0" y="0"/>
+          <a:chExt cx="0" cy="0"/>
+        </a:xfrm>
+      </p:grpSpPr>
+      <p:sp>
+        <p:nvSpPr>
+          <p:cNvPr id="4" name="Rectangle 3">
+            <a:extLst>
+              <a:ext uri="{FF2B5EF4-FFF2-40B4-BE49-F238E27FC236}">
+                <a16:creationId xmlns:a16="http://schemas.microsoft.com/office/drawing/2014/main" id="{D71C389E-72B4-1612-906C-4F5CE21FE542}"/>
+              </a:ext>
+            </a:extLst>
+          </p:cNvPr>
+          <p:cNvSpPr/>
+          <p:nvPr/>
+        </p:nvSpPr>
+        <p:spPr>
+          <a:xfrm>
+            <a:off x="2042962" y="770022"/>
+            <a:ext cx="5885848" cy="5835315"/>
+          </a:xfrm>
+          <a:prstGeom prst="rect">
+            <a:avLst/>
+          </a:prstGeom>
+          <a:noFill/>
+        </p:spPr>
+        <p:style>
+          <a:lnRef idx="2">
+            <a:schemeClr val="accent1">
+              <a:shade val="15000"/>
+            </a:schemeClr>
+          </a:lnRef>
+          <a:fillRef idx="1">
+            <a:schemeClr val="accent1"/>
+          </a:fillRef>
+          <a:effectRef idx="0">
+            <a:schemeClr val="accent1"/>
+          </a:effectRef>
+          <a:fontRef idx="minor">
+            <a:schemeClr val="lt1"/>
+          </a:fontRef>
+        </p:style>
+        <p:txBody>
+          <a:bodyPr rtlCol="0" anchor="ctr"/>
+          <a:lstStyle/>
+          <a:p>
+            <a:pPr algn="ctr"/>
+            <a:endParaRPr lang="en-US"/>
+          </a:p>
+        </p:txBody>
+      </p:sp>
+      <p:grpSp>
+        <p:nvGrpSpPr>
+          <p:cNvPr id="7" name="Group 6">
+            <a:extLst>
+              <a:ext uri="{FF2B5EF4-FFF2-40B4-BE49-F238E27FC236}">
+                <a16:creationId xmlns:a16="http://schemas.microsoft.com/office/drawing/2014/main" id="{8AA669E9-5CDA-95E1-EA21-E36BB3F4FC2A}"/>
+              </a:ext>
+            </a:extLst>
+          </p:cNvPr>
+          <p:cNvGrpSpPr>
+            <a:grpSpLocks noChangeAspect="1"/>
+          </p:cNvGrpSpPr>
+          <p:nvPr/>
+        </p:nvGrpSpPr>
+        <p:grpSpPr>
+          <a:xfrm>
+            <a:off x="8007017" y="770022"/>
+            <a:ext cx="343901" cy="5852160"/>
+            <a:chOff x="8981573" y="553453"/>
+            <a:chExt cx="354930" cy="6039852"/>
+          </a:xfrm>
+        </p:grpSpPr>
+        <p:sp>
+          <p:nvSpPr>
+            <p:cNvPr id="5" name="Right Brace 4">
+              <a:extLst>
+                <a:ext uri="{FF2B5EF4-FFF2-40B4-BE49-F238E27FC236}">
+                  <a16:creationId xmlns:a16="http://schemas.microsoft.com/office/drawing/2014/main" id="{F5C5C010-C928-A69E-64CB-07F771D725D0}"/>
+                </a:ext>
+              </a:extLst>
+            </p:cNvPr>
+            <p:cNvSpPr/>
+            <p:nvPr/>
+          </p:nvSpPr>
+          <p:spPr>
+            <a:xfrm>
+              <a:off x="8981573" y="553453"/>
+              <a:ext cx="348916" cy="3019926"/>
+            </a:xfrm>
+            <a:prstGeom prst="rightBrace">
+              <a:avLst/>
+            </a:prstGeom>
+          </p:spPr>
+          <p:style>
+            <a:lnRef idx="2">
+              <a:schemeClr val="accent1"/>
+            </a:lnRef>
+            <a:fillRef idx="0">
+              <a:schemeClr val="accent1"/>
+            </a:fillRef>
+            <a:effectRef idx="1">
+              <a:schemeClr val="accent1"/>
+            </a:effectRef>
+            <a:fontRef idx="minor">
+              <a:schemeClr val="tx1"/>
+            </a:fontRef>
+          </p:style>
+          <p:txBody>
+            <a:bodyPr rtlCol="0" anchor="ctr"/>
+            <a:lstStyle/>
+            <a:p>
+              <a:pPr algn="ctr"/>
+              <a:endParaRPr lang="en-US"/>
+            </a:p>
+          </p:txBody>
+        </p:sp>
+        <p:sp>
+          <p:nvSpPr>
+            <p:cNvPr id="6" name="Right Brace 5">
+              <a:extLst>
+                <a:ext uri="{FF2B5EF4-FFF2-40B4-BE49-F238E27FC236}">
+                  <a16:creationId xmlns:a16="http://schemas.microsoft.com/office/drawing/2014/main" id="{FA0A264F-88C0-41A3-51D9-F1FCC3267692}"/>
+                </a:ext>
+              </a:extLst>
+            </p:cNvPr>
+            <p:cNvSpPr/>
+            <p:nvPr/>
+          </p:nvSpPr>
+          <p:spPr>
+            <a:xfrm>
+              <a:off x="8987587" y="3573379"/>
+              <a:ext cx="348916" cy="3019926"/>
+            </a:xfrm>
+            <a:prstGeom prst="rightBrace">
+              <a:avLst/>
+            </a:prstGeom>
+          </p:spPr>
+          <p:style>
+            <a:lnRef idx="2">
+              <a:schemeClr val="accent1"/>
+            </a:lnRef>
+            <a:fillRef idx="0">
+              <a:schemeClr val="accent1"/>
+            </a:fillRef>
+            <a:effectRef idx="1">
+              <a:schemeClr val="accent1"/>
+            </a:effectRef>
+            <a:fontRef idx="minor">
+              <a:schemeClr val="tx1"/>
+            </a:fontRef>
+          </p:style>
+          <p:txBody>
+            <a:bodyPr rtlCol="0" anchor="ctr"/>
+            <a:lstStyle/>
+            <a:p>
+              <a:pPr algn="ctr"/>
+              <a:endParaRPr lang="en-US"/>
+            </a:p>
+          </p:txBody>
+        </p:sp>
+      </p:grpSp>
+      <p:grpSp>
+        <p:nvGrpSpPr>
+          <p:cNvPr id="8" name="Group 7">
+            <a:extLst>
+              <a:ext uri="{FF2B5EF4-FFF2-40B4-BE49-F238E27FC236}">
+                <a16:creationId xmlns:a16="http://schemas.microsoft.com/office/drawing/2014/main" id="{B81E7F69-D7BA-60A0-3DBB-A7926197901E}"/>
+              </a:ext>
+            </a:extLst>
+          </p:cNvPr>
+          <p:cNvGrpSpPr>
+            <a:grpSpLocks noChangeAspect="1"/>
+          </p:cNvGrpSpPr>
+          <p:nvPr/>
+        </p:nvGrpSpPr>
+        <p:grpSpPr>
+          <a:xfrm rot="16200000">
+            <a:off x="4797091" y="-2412230"/>
+            <a:ext cx="343901" cy="5852160"/>
+            <a:chOff x="8981573" y="553453"/>
+            <a:chExt cx="354930" cy="6039852"/>
+          </a:xfrm>
+        </p:grpSpPr>
+        <p:sp>
+          <p:nvSpPr>
+            <p:cNvPr id="9" name="Right Brace 8">
+              <a:extLst>
+                <a:ext uri="{FF2B5EF4-FFF2-40B4-BE49-F238E27FC236}">
+                  <a16:creationId xmlns:a16="http://schemas.microsoft.com/office/drawing/2014/main" id="{A9D1B9EC-7C3F-29B3-F199-57F195BEF66D}"/>
+                </a:ext>
+              </a:extLst>
+            </p:cNvPr>
+            <p:cNvSpPr/>
+            <p:nvPr/>
+          </p:nvSpPr>
+          <p:spPr>
+            <a:xfrm>
+              <a:off x="8981573" y="553453"/>
+              <a:ext cx="348916" cy="3019926"/>
+            </a:xfrm>
+            <a:prstGeom prst="rightBrace">
+              <a:avLst/>
+            </a:prstGeom>
+          </p:spPr>
+          <p:style>
+            <a:lnRef idx="2">
+              <a:schemeClr val="accent1"/>
+            </a:lnRef>
+            <a:fillRef idx="0">
+              <a:schemeClr val="accent1"/>
+            </a:fillRef>
+            <a:effectRef idx="1">
+              <a:schemeClr val="accent1"/>
+            </a:effectRef>
+            <a:fontRef idx="minor">
+              <a:schemeClr val="tx1"/>
+            </a:fontRef>
+          </p:style>
+          <p:txBody>
+            <a:bodyPr rtlCol="0" anchor="ctr"/>
+            <a:lstStyle/>
+            <a:p>
+              <a:pPr algn="ctr"/>
+              <a:endParaRPr lang="en-US"/>
+            </a:p>
+          </p:txBody>
+        </p:sp>
+        <p:sp>
+          <p:nvSpPr>
+            <p:cNvPr id="10" name="Right Brace 9">
+              <a:extLst>
+                <a:ext uri="{FF2B5EF4-FFF2-40B4-BE49-F238E27FC236}">
+                  <a16:creationId xmlns:a16="http://schemas.microsoft.com/office/drawing/2014/main" id="{6E4F9E5A-85A0-2079-6B8F-0E5C4AD2E4E5}"/>
+                </a:ext>
+              </a:extLst>
+            </p:cNvPr>
+            <p:cNvSpPr/>
+            <p:nvPr/>
+          </p:nvSpPr>
+          <p:spPr>
+            <a:xfrm>
+              <a:off x="8987587" y="3573379"/>
+              <a:ext cx="348916" cy="3019926"/>
+            </a:xfrm>
+            <a:prstGeom prst="rightBrace">
+              <a:avLst/>
+            </a:prstGeom>
+          </p:spPr>
+          <p:style>
+            <a:lnRef idx="2">
+              <a:schemeClr val="accent1"/>
+            </a:lnRef>
+            <a:fillRef idx="0">
+              <a:schemeClr val="accent1"/>
+            </a:fillRef>
+            <a:effectRef idx="1">
+              <a:schemeClr val="accent1"/>
+            </a:effectRef>
+            <a:fontRef idx="minor">
+              <a:schemeClr val="tx1"/>
+            </a:fontRef>
+          </p:style>
+          <p:txBody>
+            <a:bodyPr rtlCol="0" anchor="ctr"/>
+            <a:lstStyle/>
+            <a:p>
+              <a:pPr algn="ctr"/>
+              <a:endParaRPr lang="en-US"/>
+            </a:p>
+          </p:txBody>
+        </p:sp>
+      </p:grpSp>
+      <p:sp>
+        <p:nvSpPr>
+          <p:cNvPr id="11" name="TextBox 10">
+            <a:extLst>
+              <a:ext uri="{FF2B5EF4-FFF2-40B4-BE49-F238E27FC236}">
+                <a16:creationId xmlns:a16="http://schemas.microsoft.com/office/drawing/2014/main" id="{B2D66063-D390-7533-A206-1EC47F76FF10}"/>
+              </a:ext>
+            </a:extLst>
+          </p:cNvPr>
+          <p:cNvSpPr txBox="1"/>
+          <p:nvPr/>
+        </p:nvSpPr>
+        <p:spPr>
+          <a:xfrm>
+            <a:off x="8333059" y="2041179"/>
+            <a:ext cx="264694" cy="369332"/>
+          </a:xfrm>
+          <a:prstGeom prst="rect">
+            <a:avLst/>
+          </a:prstGeom>
+          <a:noFill/>
+        </p:spPr>
+        <p:txBody>
+          <a:bodyPr wrap="square" rtlCol="0">
+            <a:spAutoFit/>
+          </a:bodyPr>
+          <a:lstStyle/>
+          <a:p>
+            <a:r>
+              <a:rPr lang="en-US" dirty="0"/>
+              <a:t>s</a:t>
+            </a:r>
+          </a:p>
+        </p:txBody>
+      </p:sp>
+      <p:sp>
+        <p:nvSpPr>
+          <p:cNvPr id="12" name="TextBox 11">
+            <a:extLst>
+              <a:ext uri="{FF2B5EF4-FFF2-40B4-BE49-F238E27FC236}">
+                <a16:creationId xmlns:a16="http://schemas.microsoft.com/office/drawing/2014/main" id="{5B440421-9C04-F1AE-E501-3074D70571F4}"/>
+              </a:ext>
+            </a:extLst>
+          </p:cNvPr>
+          <p:cNvSpPr txBox="1"/>
+          <p:nvPr/>
+        </p:nvSpPr>
+        <p:spPr>
+          <a:xfrm>
+            <a:off x="8356745" y="4967259"/>
+            <a:ext cx="264694" cy="369332"/>
+          </a:xfrm>
+          <a:prstGeom prst="rect">
+            <a:avLst/>
+          </a:prstGeom>
+          <a:noFill/>
+        </p:spPr>
+        <p:txBody>
+          <a:bodyPr wrap="square" rtlCol="0">
+            <a:spAutoFit/>
+          </a:bodyPr>
+          <a:lstStyle/>
+          <a:p>
+            <a:r>
+              <a:rPr lang="en-US" dirty="0"/>
+              <a:t>s</a:t>
+            </a:r>
+          </a:p>
+        </p:txBody>
+      </p:sp>
+      <p:sp>
+        <p:nvSpPr>
+          <p:cNvPr id="13" name="TextBox 12">
+            <a:extLst>
+              <a:ext uri="{FF2B5EF4-FFF2-40B4-BE49-F238E27FC236}">
+                <a16:creationId xmlns:a16="http://schemas.microsoft.com/office/drawing/2014/main" id="{A643FD12-4635-22DA-CFA3-30D49F0A004F}"/>
+              </a:ext>
+            </a:extLst>
+          </p:cNvPr>
+          <p:cNvSpPr txBox="1"/>
+          <p:nvPr/>
+        </p:nvSpPr>
+        <p:spPr>
+          <a:xfrm>
+            <a:off x="3373655" y="67997"/>
+            <a:ext cx="264694" cy="369332"/>
+          </a:xfrm>
+          <a:prstGeom prst="rect">
+            <a:avLst/>
+          </a:prstGeom>
+          <a:noFill/>
+        </p:spPr>
+        <p:txBody>
+          <a:bodyPr wrap="square" rtlCol="0">
+            <a:spAutoFit/>
+          </a:bodyPr>
+          <a:lstStyle/>
+          <a:p>
+            <a:r>
+              <a:rPr lang="en-US" dirty="0"/>
+              <a:t>s</a:t>
+            </a:r>
+          </a:p>
+        </p:txBody>
+      </p:sp>
+      <p:sp>
+        <p:nvSpPr>
+          <p:cNvPr id="14" name="TextBox 13">
+            <a:extLst>
+              <a:ext uri="{FF2B5EF4-FFF2-40B4-BE49-F238E27FC236}">
+                <a16:creationId xmlns:a16="http://schemas.microsoft.com/office/drawing/2014/main" id="{B58608E6-BA19-7C4D-B180-9E546A8CF09E}"/>
+              </a:ext>
+            </a:extLst>
+          </p:cNvPr>
+          <p:cNvSpPr txBox="1"/>
+          <p:nvPr/>
+        </p:nvSpPr>
+        <p:spPr>
+          <a:xfrm>
+            <a:off x="6268453" y="67184"/>
+            <a:ext cx="264694" cy="369332"/>
+          </a:xfrm>
+          <a:prstGeom prst="rect">
+            <a:avLst/>
+          </a:prstGeom>
+          <a:noFill/>
+        </p:spPr>
+        <p:txBody>
+          <a:bodyPr wrap="square" rtlCol="0">
+            <a:spAutoFit/>
+          </a:bodyPr>
+          <a:lstStyle/>
+          <a:p>
+            <a:r>
+              <a:rPr lang="en-US" dirty="0"/>
+              <a:t>s</a:t>
+            </a:r>
+          </a:p>
+        </p:txBody>
+      </p:sp>
+      <p:sp>
+        <p:nvSpPr>
+          <p:cNvPr id="15" name="Oval 14">
+            <a:extLst>
+              <a:ext uri="{FF2B5EF4-FFF2-40B4-BE49-F238E27FC236}">
+                <a16:creationId xmlns:a16="http://schemas.microsoft.com/office/drawing/2014/main" id="{86BBEA5E-C115-2BEA-9012-5B3F38456EC8}"/>
+              </a:ext>
+            </a:extLst>
+          </p:cNvPr>
+          <p:cNvSpPr/>
+          <p:nvPr/>
+        </p:nvSpPr>
+        <p:spPr>
+          <a:xfrm>
+            <a:off x="4042611" y="2731168"/>
+            <a:ext cx="91440" cy="91440"/>
+          </a:xfrm>
+          <a:prstGeom prst="ellipse">
+            <a:avLst/>
+          </a:prstGeom>
+        </p:spPr>
+        <p:style>
+          <a:lnRef idx="2">
+            <a:schemeClr val="accent1">
+              <a:shade val="15000"/>
+            </a:schemeClr>
+          </a:lnRef>
+          <a:fillRef idx="1">
+            <a:schemeClr val="accent1"/>
+          </a:fillRef>
+          <a:effectRef idx="0">
+            <a:schemeClr val="accent1"/>
+          </a:effectRef>
+          <a:fontRef idx="minor">
+            <a:schemeClr val="lt1"/>
+          </a:fontRef>
+        </p:style>
+        <p:txBody>
+          <a:bodyPr rtlCol="0" anchor="ctr"/>
+          <a:lstStyle/>
+          <a:p>
+            <a:pPr algn="ctr"/>
+            <a:endParaRPr lang="en-US"/>
+          </a:p>
+        </p:txBody>
+      </p:sp>
+      <p:sp>
+        <p:nvSpPr>
+          <p:cNvPr id="17" name="Rectangle 16">
+            <a:extLst>
+              <a:ext uri="{FF2B5EF4-FFF2-40B4-BE49-F238E27FC236}">
+                <a16:creationId xmlns:a16="http://schemas.microsoft.com/office/drawing/2014/main" id="{B076E3F1-B158-7DDD-72A6-7351ED6FAA25}"/>
+              </a:ext>
+            </a:extLst>
+          </p:cNvPr>
+          <p:cNvSpPr/>
+          <p:nvPr/>
+        </p:nvSpPr>
+        <p:spPr>
+          <a:xfrm>
+            <a:off x="3507130" y="2268638"/>
+            <a:ext cx="2916820" cy="2916820"/>
+          </a:xfrm>
+          <a:prstGeom prst="rect">
+            <a:avLst/>
+          </a:prstGeom>
+          <a:noFill/>
+          <a:ln w="76200">
+            <a:solidFill>
+              <a:schemeClr val="tx1"/>
+            </a:solidFill>
+          </a:ln>
+        </p:spPr>
+        <p:style>
+          <a:lnRef idx="2">
+            <a:schemeClr val="accent1">
+              <a:shade val="15000"/>
+            </a:schemeClr>
+          </a:lnRef>
+          <a:fillRef idx="1">
+            <a:schemeClr val="accent1"/>
+          </a:fillRef>
+          <a:effectRef idx="0">
+            <a:schemeClr val="accent1"/>
+          </a:effectRef>
+          <a:fontRef idx="minor">
+            <a:schemeClr val="lt1"/>
+          </a:fontRef>
+        </p:style>
+        <p:txBody>
+          <a:bodyPr rtlCol="0" anchor="ctr"/>
+          <a:lstStyle/>
+          <a:p>
+            <a:pPr algn="ctr"/>
+            <a:endParaRPr lang="en-US"/>
+          </a:p>
+        </p:txBody>
+      </p:sp>
+      <p:sp>
+        <p:nvSpPr>
+          <p:cNvPr id="18" name="TextBox 17">
+            <a:extLst>
+              <a:ext uri="{FF2B5EF4-FFF2-40B4-BE49-F238E27FC236}">
+                <a16:creationId xmlns:a16="http://schemas.microsoft.com/office/drawing/2014/main" id="{50F123AA-D155-75FD-5DA1-531BA0FAFF14}"/>
+              </a:ext>
+            </a:extLst>
+          </p:cNvPr>
+          <p:cNvSpPr txBox="1"/>
+          <p:nvPr/>
+        </p:nvSpPr>
+        <p:spPr>
+          <a:xfrm>
+            <a:off x="4134051" y="2576373"/>
+            <a:ext cx="1204924" cy="369332"/>
+          </a:xfrm>
+          <a:prstGeom prst="rect">
+            <a:avLst/>
+          </a:prstGeom>
+          <a:noFill/>
+        </p:spPr>
+        <p:txBody>
+          <a:bodyPr wrap="square" rtlCol="0">
+            <a:spAutoFit/>
+          </a:bodyPr>
+          <a:lstStyle/>
+          <a:p>
+            <a:r>
+              <a:rPr lang="en-US" dirty="0"/>
+              <a:t>(xc, </a:t>
+            </a:r>
+            <a:r>
+              <a:rPr lang="en-US" dirty="0" err="1"/>
+              <a:t>yc</a:t>
+            </a:r>
+            <a:r>
+              <a:rPr lang="en-US" dirty="0"/>
+              <a:t>)</a:t>
+            </a:r>
+          </a:p>
+        </p:txBody>
+      </p:sp>
+      <p:sp>
+        <p:nvSpPr>
+          <p:cNvPr id="19" name="Rectangle 18">
+            <a:extLst>
+              <a:ext uri="{FF2B5EF4-FFF2-40B4-BE49-F238E27FC236}">
+                <a16:creationId xmlns:a16="http://schemas.microsoft.com/office/drawing/2014/main" id="{70A59CE0-2629-5852-9586-D27B2D7FB320}"/>
+              </a:ext>
+            </a:extLst>
+          </p:cNvPr>
+          <p:cNvSpPr/>
+          <p:nvPr/>
+        </p:nvSpPr>
+        <p:spPr>
+          <a:xfrm>
+            <a:off x="1431758" y="336621"/>
+            <a:ext cx="2702293" cy="2485988"/>
+          </a:xfrm>
+          <a:prstGeom prst="rect">
+            <a:avLst/>
+          </a:prstGeom>
+          <a:noFill/>
+          <a:ln>
+            <a:solidFill>
+              <a:srgbClr val="7030A0"/>
+            </a:solidFill>
+          </a:ln>
+        </p:spPr>
+        <p:style>
+          <a:lnRef idx="2">
+            <a:schemeClr val="accent1">
+              <a:shade val="15000"/>
+            </a:schemeClr>
+          </a:lnRef>
+          <a:fillRef idx="1">
+            <a:schemeClr val="accent1"/>
+          </a:fillRef>
+          <a:effectRef idx="0">
+            <a:schemeClr val="accent1"/>
+          </a:effectRef>
+          <a:fontRef idx="minor">
+            <a:schemeClr val="lt1"/>
+          </a:fontRef>
+        </p:style>
+        <p:txBody>
+          <a:bodyPr rtlCol="0" anchor="ctr"/>
+          <a:lstStyle/>
+          <a:p>
+            <a:pPr algn="ctr"/>
+            <a:endParaRPr lang="en-US"/>
+          </a:p>
+        </p:txBody>
+      </p:sp>
+      <p:sp>
+        <p:nvSpPr>
+          <p:cNvPr id="20" name="TextBox 19">
+            <a:extLst>
+              <a:ext uri="{FF2B5EF4-FFF2-40B4-BE49-F238E27FC236}">
+                <a16:creationId xmlns:a16="http://schemas.microsoft.com/office/drawing/2014/main" id="{2AFD9B75-8C8E-FDE1-D7E4-AF98E1823D03}"/>
+              </a:ext>
+            </a:extLst>
+          </p:cNvPr>
+          <p:cNvSpPr txBox="1"/>
+          <p:nvPr/>
+        </p:nvSpPr>
+        <p:spPr>
+          <a:xfrm>
+            <a:off x="2133489" y="848759"/>
+            <a:ext cx="1504860" cy="523220"/>
+          </a:xfrm>
+          <a:prstGeom prst="rect">
+            <a:avLst/>
+          </a:prstGeom>
+          <a:noFill/>
+        </p:spPr>
+        <p:txBody>
+          <a:bodyPr wrap="square" rtlCol="0">
+            <a:spAutoFit/>
+          </a:bodyPr>
+          <a:lstStyle/>
+          <a:p>
+            <a:r>
+              <a:rPr lang="en-US" sz="1400" dirty="0"/>
+              <a:t>max(xc-w, 0), </a:t>
+            </a:r>
+          </a:p>
+          <a:p>
+            <a:r>
+              <a:rPr lang="en-US" sz="1400" dirty="0"/>
+              <a:t>max(</a:t>
+            </a:r>
+            <a:r>
+              <a:rPr lang="en-US" sz="1400" dirty="0" err="1"/>
+              <a:t>yc</a:t>
+            </a:r>
+            <a:r>
+              <a:rPr lang="en-US" sz="1400" dirty="0"/>
+              <a:t>-h, 0)</a:t>
+            </a:r>
+          </a:p>
+        </p:txBody>
+      </p:sp>
+      <p:sp>
+        <p:nvSpPr>
+          <p:cNvPr id="21" name="TextBox 20">
+            <a:extLst>
+              <a:ext uri="{FF2B5EF4-FFF2-40B4-BE49-F238E27FC236}">
+                <a16:creationId xmlns:a16="http://schemas.microsoft.com/office/drawing/2014/main" id="{4BDF132D-379B-37D2-7881-CE277212E00D}"/>
+              </a:ext>
+            </a:extLst>
+          </p:cNvPr>
+          <p:cNvSpPr txBox="1"/>
+          <p:nvPr/>
+        </p:nvSpPr>
+        <p:spPr>
+          <a:xfrm>
+            <a:off x="3507952" y="2437225"/>
+            <a:ext cx="1504860" cy="307777"/>
+          </a:xfrm>
+          <a:prstGeom prst="rect">
+            <a:avLst/>
+          </a:prstGeom>
+          <a:noFill/>
+        </p:spPr>
+        <p:txBody>
+          <a:bodyPr wrap="square" rtlCol="0">
+            <a:spAutoFit/>
+          </a:bodyPr>
+          <a:lstStyle/>
+          <a:p>
+            <a:r>
+              <a:rPr lang="en-US" sz="1400" dirty="0"/>
+              <a:t>xc, </a:t>
+            </a:r>
+            <a:r>
+              <a:rPr lang="en-US" sz="1400" dirty="0" err="1"/>
+              <a:t>yc</a:t>
+            </a:r>
+            <a:endParaRPr lang="en-US" sz="1400" dirty="0"/>
+          </a:p>
+        </p:txBody>
+      </p:sp>
+      <p:sp>
+        <p:nvSpPr>
+          <p:cNvPr id="22" name="Rectangle 21">
+            <a:extLst>
+              <a:ext uri="{FF2B5EF4-FFF2-40B4-BE49-F238E27FC236}">
+                <a16:creationId xmlns:a16="http://schemas.microsoft.com/office/drawing/2014/main" id="{F9FEDB21-B13F-128F-262E-519AA038F090}"/>
+              </a:ext>
+            </a:extLst>
+          </p:cNvPr>
+          <p:cNvSpPr/>
+          <p:nvPr/>
+        </p:nvSpPr>
+        <p:spPr>
+          <a:xfrm>
+            <a:off x="4260381" y="336071"/>
+            <a:ext cx="2998559" cy="2450703"/>
+          </a:xfrm>
+          <a:prstGeom prst="rect">
+            <a:avLst/>
+          </a:prstGeom>
+          <a:noFill/>
+          <a:ln>
+            <a:solidFill>
+              <a:srgbClr val="FF0000"/>
+            </a:solidFill>
+          </a:ln>
+        </p:spPr>
+        <p:style>
+          <a:lnRef idx="2">
+            <a:schemeClr val="accent1">
+              <a:shade val="15000"/>
+            </a:schemeClr>
+          </a:lnRef>
+          <a:fillRef idx="1">
+            <a:schemeClr val="accent1"/>
+          </a:fillRef>
+          <a:effectRef idx="0">
+            <a:schemeClr val="accent1"/>
+          </a:effectRef>
+          <a:fontRef idx="minor">
+            <a:schemeClr val="lt1"/>
+          </a:fontRef>
+        </p:style>
+        <p:txBody>
+          <a:bodyPr rtlCol="0" anchor="ctr"/>
+          <a:lstStyle/>
+          <a:p>
+            <a:pPr algn="ctr"/>
+            <a:endParaRPr lang="en-US"/>
+          </a:p>
+        </p:txBody>
+      </p:sp>
+      <p:sp>
+        <p:nvSpPr>
+          <p:cNvPr id="23" name="TextBox 22">
+            <a:extLst>
+              <a:ext uri="{FF2B5EF4-FFF2-40B4-BE49-F238E27FC236}">
+                <a16:creationId xmlns:a16="http://schemas.microsoft.com/office/drawing/2014/main" id="{D6ABD23E-E990-6300-DDEB-8276EE7E1EB2}"/>
+              </a:ext>
+            </a:extLst>
+          </p:cNvPr>
+          <p:cNvSpPr txBox="1"/>
+          <p:nvPr/>
+        </p:nvSpPr>
+        <p:spPr>
+          <a:xfrm>
+            <a:off x="4367464" y="928247"/>
+            <a:ext cx="1540042" cy="307777"/>
+          </a:xfrm>
+          <a:prstGeom prst="rect">
+            <a:avLst/>
+          </a:prstGeom>
+          <a:noFill/>
+        </p:spPr>
+        <p:txBody>
+          <a:bodyPr wrap="square" rtlCol="0">
+            <a:spAutoFit/>
+          </a:bodyPr>
+          <a:lstStyle/>
+          <a:p>
+            <a:r>
+              <a:rPr lang="en-US" sz="1400" dirty="0"/>
+              <a:t>(xc, max(</a:t>
+            </a:r>
+            <a:r>
+              <a:rPr lang="en-US" sz="1400" dirty="0" err="1"/>
+              <a:t>yc</a:t>
+            </a:r>
+            <a:r>
+              <a:rPr lang="en-US" sz="1400" dirty="0"/>
+              <a:t>-h, 0))</a:t>
+            </a:r>
+          </a:p>
+        </p:txBody>
+      </p:sp>
+      <p:sp>
+        <p:nvSpPr>
+          <p:cNvPr id="24" name="TextBox 23">
+            <a:extLst>
+              <a:ext uri="{FF2B5EF4-FFF2-40B4-BE49-F238E27FC236}">
+                <a16:creationId xmlns:a16="http://schemas.microsoft.com/office/drawing/2014/main" id="{AC018D6E-51A8-51C4-41D0-8C503049EE46}"/>
+              </a:ext>
+            </a:extLst>
+          </p:cNvPr>
+          <p:cNvSpPr txBox="1"/>
+          <p:nvPr/>
+        </p:nvSpPr>
+        <p:spPr>
+          <a:xfrm>
+            <a:off x="6315970" y="2268638"/>
+            <a:ext cx="2159530" cy="307777"/>
+          </a:xfrm>
+          <a:prstGeom prst="rect">
+            <a:avLst/>
+          </a:prstGeom>
+          <a:noFill/>
+        </p:spPr>
+        <p:txBody>
+          <a:bodyPr wrap="square" rtlCol="0">
+            <a:spAutoFit/>
+          </a:bodyPr>
+          <a:lstStyle/>
+          <a:p>
+            <a:r>
+              <a:rPr lang="en-US" sz="1400" dirty="0"/>
+              <a:t>(min(</a:t>
+            </a:r>
+            <a:r>
+              <a:rPr lang="en-US" sz="1400" dirty="0" err="1"/>
+              <a:t>xc+w</a:t>
+            </a:r>
+            <a:r>
+              <a:rPr lang="en-US" sz="1400" dirty="0"/>
+              <a:t>, s*2), </a:t>
+            </a:r>
+            <a:r>
+              <a:rPr lang="en-US" sz="1400" dirty="0" err="1"/>
+              <a:t>yc</a:t>
+            </a:r>
+            <a:endParaRPr lang="en-US" sz="1400" dirty="0"/>
+          </a:p>
+        </p:txBody>
+      </p:sp>
+      <p:sp>
+        <p:nvSpPr>
+          <p:cNvPr id="25" name="Rectangle 24">
+            <a:extLst>
+              <a:ext uri="{FF2B5EF4-FFF2-40B4-BE49-F238E27FC236}">
+                <a16:creationId xmlns:a16="http://schemas.microsoft.com/office/drawing/2014/main" id="{0FA390E5-9A46-B1D9-B265-CBA932D8DFE1}"/>
+              </a:ext>
+            </a:extLst>
+          </p:cNvPr>
+          <p:cNvSpPr/>
+          <p:nvPr/>
+        </p:nvSpPr>
+        <p:spPr>
+          <a:xfrm>
+            <a:off x="1574800" y="2950169"/>
+            <a:ext cx="2553670" cy="2916820"/>
+          </a:xfrm>
+          <a:prstGeom prst="rect">
+            <a:avLst/>
+          </a:prstGeom>
+          <a:noFill/>
+          <a:ln>
+            <a:solidFill>
+              <a:schemeClr val="accent6">
+                <a:lumMod val="50000"/>
+              </a:schemeClr>
+            </a:solidFill>
+          </a:ln>
+        </p:spPr>
+        <p:style>
+          <a:lnRef idx="2">
+            <a:schemeClr val="accent1">
+              <a:shade val="15000"/>
+            </a:schemeClr>
+          </a:lnRef>
+          <a:fillRef idx="1">
+            <a:schemeClr val="accent1"/>
+          </a:fillRef>
+          <a:effectRef idx="0">
+            <a:schemeClr val="accent1"/>
+          </a:effectRef>
+          <a:fontRef idx="minor">
+            <a:schemeClr val="lt1"/>
+          </a:fontRef>
+        </p:style>
+        <p:txBody>
+          <a:bodyPr rtlCol="0" anchor="ctr"/>
+          <a:lstStyle/>
+          <a:p>
+            <a:pPr algn="ctr"/>
+            <a:endParaRPr lang="en-US"/>
+          </a:p>
+        </p:txBody>
+      </p:sp>
+      <p:sp>
+        <p:nvSpPr>
+          <p:cNvPr id="26" name="TextBox 25">
+            <a:extLst>
+              <a:ext uri="{FF2B5EF4-FFF2-40B4-BE49-F238E27FC236}">
+                <a16:creationId xmlns:a16="http://schemas.microsoft.com/office/drawing/2014/main" id="{E51F5334-7A7D-6F5A-2E95-460070C26B20}"/>
+              </a:ext>
+            </a:extLst>
+          </p:cNvPr>
+          <p:cNvSpPr txBox="1"/>
+          <p:nvPr/>
+        </p:nvSpPr>
+        <p:spPr>
+          <a:xfrm>
+            <a:off x="2045290" y="3164459"/>
+            <a:ext cx="1504860" cy="307777"/>
+          </a:xfrm>
+          <a:prstGeom prst="rect">
+            <a:avLst/>
+          </a:prstGeom>
+          <a:noFill/>
+        </p:spPr>
+        <p:txBody>
+          <a:bodyPr wrap="square" rtlCol="0">
+            <a:spAutoFit/>
+          </a:bodyPr>
+          <a:lstStyle/>
+          <a:p>
+            <a:r>
+              <a:rPr lang="en-US" sz="1400" dirty="0"/>
+              <a:t>max(xc-w, 0), </a:t>
+            </a:r>
+            <a:r>
+              <a:rPr lang="en-US" sz="1400" dirty="0" err="1"/>
+              <a:t>yc</a:t>
+            </a:r>
+            <a:endParaRPr lang="en-US" sz="1400" dirty="0"/>
+          </a:p>
+        </p:txBody>
+      </p:sp>
+      <p:sp>
+        <p:nvSpPr>
+          <p:cNvPr id="27" name="TextBox 26">
+            <a:extLst>
+              <a:ext uri="{FF2B5EF4-FFF2-40B4-BE49-F238E27FC236}">
+                <a16:creationId xmlns:a16="http://schemas.microsoft.com/office/drawing/2014/main" id="{974F5274-3FC0-172A-6D05-805E2CDB617C}"/>
+              </a:ext>
+            </a:extLst>
+          </p:cNvPr>
+          <p:cNvSpPr txBox="1"/>
+          <p:nvPr/>
+        </p:nvSpPr>
+        <p:spPr>
+          <a:xfrm>
+            <a:off x="2668772" y="5580403"/>
+            <a:ext cx="1762756" cy="307777"/>
+          </a:xfrm>
+          <a:prstGeom prst="rect">
+            <a:avLst/>
+          </a:prstGeom>
+          <a:noFill/>
+        </p:spPr>
+        <p:txBody>
+          <a:bodyPr wrap="square" rtlCol="0">
+            <a:spAutoFit/>
+          </a:bodyPr>
+          <a:lstStyle/>
+          <a:p>
+            <a:r>
+              <a:rPr lang="en-US" sz="1400" dirty="0"/>
+              <a:t>xc, min(s*2, </a:t>
+            </a:r>
+            <a:r>
+              <a:rPr lang="en-US" sz="1400" dirty="0" err="1"/>
+              <a:t>yc+h</a:t>
+            </a:r>
+            <a:r>
+              <a:rPr lang="en-US" sz="1400" dirty="0"/>
+              <a:t>)</a:t>
+            </a:r>
+          </a:p>
+        </p:txBody>
+      </p:sp>
+      <p:sp>
+        <p:nvSpPr>
+          <p:cNvPr id="28" name="Rectangle 27">
+            <a:extLst>
+              <a:ext uri="{FF2B5EF4-FFF2-40B4-BE49-F238E27FC236}">
+                <a16:creationId xmlns:a16="http://schemas.microsoft.com/office/drawing/2014/main" id="{C9E3FDB8-C9B3-B30E-B2D5-6E157C2FF81A}"/>
+              </a:ext>
+            </a:extLst>
+          </p:cNvPr>
+          <p:cNvSpPr/>
+          <p:nvPr/>
+        </p:nvSpPr>
+        <p:spPr>
+          <a:xfrm>
+            <a:off x="4318922" y="2950169"/>
+            <a:ext cx="4685378" cy="2726731"/>
+          </a:xfrm>
+          <a:prstGeom prst="rect">
+            <a:avLst/>
+          </a:prstGeom>
+          <a:noFill/>
+          <a:ln>
+            <a:solidFill>
+              <a:srgbClr val="0000FF"/>
+            </a:solidFill>
+          </a:ln>
+        </p:spPr>
+        <p:style>
+          <a:lnRef idx="2">
+            <a:schemeClr val="accent1">
+              <a:shade val="15000"/>
+            </a:schemeClr>
+          </a:lnRef>
+          <a:fillRef idx="1">
+            <a:schemeClr val="accent1"/>
+          </a:fillRef>
+          <a:effectRef idx="0">
+            <a:schemeClr val="accent1"/>
+          </a:effectRef>
+          <a:fontRef idx="minor">
+            <a:schemeClr val="lt1"/>
+          </a:fontRef>
+        </p:style>
+        <p:txBody>
+          <a:bodyPr rtlCol="0" anchor="ctr"/>
+          <a:lstStyle/>
+          <a:p>
+            <a:pPr algn="ctr"/>
+            <a:endParaRPr lang="en-US"/>
+          </a:p>
+        </p:txBody>
+      </p:sp>
+      <p:sp>
+        <p:nvSpPr>
+          <p:cNvPr id="30" name="TextBox 29">
+            <a:extLst>
+              <a:ext uri="{FF2B5EF4-FFF2-40B4-BE49-F238E27FC236}">
+                <a16:creationId xmlns:a16="http://schemas.microsoft.com/office/drawing/2014/main" id="{CD57F7DC-C7B7-50F9-BEDA-FF8DBE0E1E9C}"/>
+              </a:ext>
+            </a:extLst>
+          </p:cNvPr>
+          <p:cNvSpPr txBox="1"/>
+          <p:nvPr/>
+        </p:nvSpPr>
+        <p:spPr>
+          <a:xfrm>
+            <a:off x="4313095" y="3002524"/>
+            <a:ext cx="1504860" cy="307777"/>
+          </a:xfrm>
+          <a:prstGeom prst="rect">
+            <a:avLst/>
+          </a:prstGeom>
+          <a:noFill/>
+        </p:spPr>
+        <p:txBody>
+          <a:bodyPr wrap="square" rtlCol="0">
+            <a:spAutoFit/>
+          </a:bodyPr>
+          <a:lstStyle/>
+          <a:p>
+            <a:r>
+              <a:rPr lang="en-US" sz="1400" dirty="0" err="1"/>
+              <a:t>xc,yc</a:t>
+            </a:r>
+            <a:endParaRPr lang="en-US" sz="1400" dirty="0"/>
+          </a:p>
+        </p:txBody>
+      </p:sp>
+      <p:sp>
+        <p:nvSpPr>
+          <p:cNvPr id="31" name="TextBox 30">
+            <a:extLst>
+              <a:ext uri="{FF2B5EF4-FFF2-40B4-BE49-F238E27FC236}">
+                <a16:creationId xmlns:a16="http://schemas.microsoft.com/office/drawing/2014/main" id="{E16A465D-8C60-F234-E6F4-B9D39D9BCB3E}"/>
+              </a:ext>
+            </a:extLst>
+          </p:cNvPr>
+          <p:cNvSpPr txBox="1"/>
+          <p:nvPr/>
+        </p:nvSpPr>
+        <p:spPr>
+          <a:xfrm>
+            <a:off x="6608821" y="5074981"/>
+            <a:ext cx="1429186" cy="523220"/>
+          </a:xfrm>
+          <a:prstGeom prst="rect">
+            <a:avLst/>
+          </a:prstGeom>
+          <a:noFill/>
+        </p:spPr>
+        <p:txBody>
+          <a:bodyPr wrap="square" rtlCol="0">
+            <a:spAutoFit/>
+          </a:bodyPr>
+          <a:lstStyle/>
+          <a:p>
+            <a:r>
+              <a:rPr lang="en-US" sz="1400" dirty="0"/>
+              <a:t>min(</a:t>
+            </a:r>
+            <a:r>
+              <a:rPr lang="en-US" sz="1400" dirty="0" err="1"/>
+              <a:t>xc+w</a:t>
+            </a:r>
+            <a:r>
+              <a:rPr lang="en-US" sz="1400" dirty="0"/>
+              <a:t>, s*2), min(s*2, </a:t>
+            </a:r>
+            <a:r>
+              <a:rPr lang="en-US" sz="1400" dirty="0" err="1"/>
+              <a:t>yc+h</a:t>
+            </a:r>
+            <a:r>
+              <a:rPr lang="en-US" sz="1400" dirty="0"/>
+              <a:t>)</a:t>
+            </a:r>
+          </a:p>
+        </p:txBody>
+      </p:sp>
+      <p:sp>
+        <p:nvSpPr>
+          <p:cNvPr id="32" name="TextBox 31">
+            <a:extLst>
+              <a:ext uri="{FF2B5EF4-FFF2-40B4-BE49-F238E27FC236}">
+                <a16:creationId xmlns:a16="http://schemas.microsoft.com/office/drawing/2014/main" id="{D2C165AE-82EF-B284-45D5-E76A4BFCFB0C}"/>
+              </a:ext>
+            </a:extLst>
+          </p:cNvPr>
+          <p:cNvSpPr txBox="1"/>
+          <p:nvPr/>
+        </p:nvSpPr>
+        <p:spPr>
+          <a:xfrm>
+            <a:off x="9167149" y="585356"/>
+            <a:ext cx="1319514" cy="369332"/>
+          </a:xfrm>
+          <a:prstGeom prst="rect">
+            <a:avLst/>
+          </a:prstGeom>
+          <a:noFill/>
+        </p:spPr>
+        <p:txBody>
+          <a:bodyPr wrap="square" rtlCol="0">
+            <a:spAutoFit/>
+          </a:bodyPr>
+          <a:lstStyle/>
+          <a:p>
+            <a:r>
+              <a:rPr lang="en-US" dirty="0"/>
+              <a:t>Mosaic 4</a:t>
+            </a:r>
+          </a:p>
+        </p:txBody>
+      </p:sp>
+      <p:sp>
+        <p:nvSpPr>
+          <p:cNvPr id="33" name="TextBox 32">
+            <a:extLst>
+              <a:ext uri="{FF2B5EF4-FFF2-40B4-BE49-F238E27FC236}">
+                <a16:creationId xmlns:a16="http://schemas.microsoft.com/office/drawing/2014/main" id="{F383EF9B-958A-ADB6-CB49-C168D5EF140E}"/>
+              </a:ext>
+            </a:extLst>
+          </p:cNvPr>
+          <p:cNvSpPr txBox="1"/>
+          <p:nvPr/>
+        </p:nvSpPr>
+        <p:spPr>
+          <a:xfrm>
+            <a:off x="2055282" y="1487181"/>
+            <a:ext cx="2121065" cy="738664"/>
+          </a:xfrm>
+          <a:prstGeom prst="rect">
+            <a:avLst/>
+          </a:prstGeom>
+          <a:noFill/>
+        </p:spPr>
+        <p:txBody>
+          <a:bodyPr wrap="square" rtlCol="0">
+            <a:spAutoFit/>
+          </a:bodyPr>
+          <a:lstStyle/>
+          <a:p>
+            <a:r>
+              <a:rPr lang="en-US" sz="1400" dirty="0">
+                <a:solidFill>
+                  <a:srgbClr val="7030A0"/>
+                </a:solidFill>
+              </a:rPr>
+              <a:t>w-(x2a-x1a), h-(y2a-y1a)</a:t>
+            </a:r>
+          </a:p>
+          <a:p>
+            <a:endParaRPr lang="en-US" sz="1400" dirty="0">
+              <a:solidFill>
+                <a:srgbClr val="7030A0"/>
+              </a:solidFill>
+            </a:endParaRPr>
+          </a:p>
+          <a:p>
+            <a:endParaRPr lang="en-US" sz="1400" dirty="0">
+              <a:solidFill>
+                <a:srgbClr val="7030A0"/>
+              </a:solidFill>
+            </a:endParaRPr>
+          </a:p>
+        </p:txBody>
+      </p:sp>
+    </p:spTree>
+    <p:extLst>
+      <p:ext uri="{BB962C8B-B14F-4D97-AF65-F5344CB8AC3E}">
+        <p14:creationId xmlns:p14="http://schemas.microsoft.com/office/powerpoint/2010/main" val="1763127650"/>
+      </p:ext>
+    </p:extLst>
+  </p:cSld>
+  <p:clrMapOvr>
+    <a:masterClrMapping/>
+  </p:clrMapOvr>
+</p:sld>
+</file>
+
+<file path=ppt/slides/slide4.xml><?xml version="1.0" encoding="utf-8"?>
+<p:sld xmlns:a="http://schemas.openxmlformats.org/drawingml/2006/main" xmlns:r="http://schemas.openxmlformats.org/officeDocument/2006/relationships" xmlns:p="http://schemas.openxmlformats.org/presentationml/2006/main">
+  <p:cSld>
+    <p:spTree>
+      <p:nvGrpSpPr>
+        <p:cNvPr id="1" name=""/>
+        <p:cNvGrpSpPr/>
+        <p:nvPr/>
+      </p:nvGrpSpPr>
+      <p:grpSpPr>
+        <a:xfrm>
+          <a:off x="0" y="0"/>
+          <a:ext cx="0" cy="0"/>
+          <a:chOff x="0" y="0"/>
+          <a:chExt cx="0" cy="0"/>
+        </a:xfrm>
+      </p:grpSpPr>
+      <p:sp>
+        <p:nvSpPr>
+          <p:cNvPr id="4" name="Rectangle 3">
+            <a:extLst>
+              <a:ext uri="{FF2B5EF4-FFF2-40B4-BE49-F238E27FC236}">
+                <a16:creationId xmlns:a16="http://schemas.microsoft.com/office/drawing/2014/main" id="{17BC7484-D1BF-2612-167B-3174CD2E868A}"/>
+              </a:ext>
+            </a:extLst>
+          </p:cNvPr>
+          <p:cNvSpPr/>
+          <p:nvPr/>
+        </p:nvSpPr>
+        <p:spPr>
+          <a:xfrm>
+            <a:off x="3629627" y="752354"/>
+            <a:ext cx="5745867" cy="5764192"/>
+          </a:xfrm>
+          <a:prstGeom prst="rect">
+            <a:avLst/>
+          </a:prstGeom>
+          <a:noFill/>
+        </p:spPr>
+        <p:style>
+          <a:lnRef idx="2">
+            <a:schemeClr val="accent1">
+              <a:shade val="15000"/>
+            </a:schemeClr>
+          </a:lnRef>
+          <a:fillRef idx="1">
+            <a:schemeClr val="accent1"/>
+          </a:fillRef>
+          <a:effectRef idx="0">
+            <a:schemeClr val="accent1"/>
+          </a:effectRef>
+          <a:fontRef idx="minor">
+            <a:schemeClr val="lt1"/>
+          </a:fontRef>
+        </p:style>
+        <p:txBody>
+          <a:bodyPr rtlCol="0" anchor="ctr"/>
+          <a:lstStyle/>
+          <a:p>
+            <a:pPr algn="ctr"/>
+            <a:endParaRPr lang="en-US"/>
+          </a:p>
+        </p:txBody>
+      </p:sp>
+      <p:grpSp>
+        <p:nvGrpSpPr>
+          <p:cNvPr id="20" name="Group 19">
+            <a:extLst>
+              <a:ext uri="{FF2B5EF4-FFF2-40B4-BE49-F238E27FC236}">
+                <a16:creationId xmlns:a16="http://schemas.microsoft.com/office/drawing/2014/main" id="{B6E68AE0-B8B4-F70C-6BB4-BE7211E80036}"/>
+              </a:ext>
+            </a:extLst>
+          </p:cNvPr>
+          <p:cNvGrpSpPr/>
+          <p:nvPr/>
+        </p:nvGrpSpPr>
+        <p:grpSpPr>
+          <a:xfrm>
+            <a:off x="3629628" y="132482"/>
+            <a:ext cx="5745866" cy="579363"/>
+            <a:chOff x="3629628" y="132482"/>
+            <a:chExt cx="5745866" cy="579363"/>
+          </a:xfrm>
+        </p:grpSpPr>
+        <p:grpSp>
+          <p:nvGrpSpPr>
+            <p:cNvPr id="9" name="Group 8">
+              <a:extLst>
+                <a:ext uri="{FF2B5EF4-FFF2-40B4-BE49-F238E27FC236}">
+                  <a16:creationId xmlns:a16="http://schemas.microsoft.com/office/drawing/2014/main" id="{B9AE5ECA-A668-0229-B4D7-405529E49343}"/>
+                </a:ext>
+              </a:extLst>
+            </p:cNvPr>
+            <p:cNvGrpSpPr>
+              <a:grpSpLocks/>
+            </p:cNvGrpSpPr>
+            <p:nvPr/>
+          </p:nvGrpSpPr>
+          <p:grpSpPr>
+            <a:xfrm rot="16200000">
+              <a:off x="6365401" y="-2298248"/>
+              <a:ext cx="274320" cy="5745866"/>
+              <a:chOff x="9803757" y="643359"/>
+              <a:chExt cx="335666" cy="4689674"/>
+            </a:xfrm>
+          </p:grpSpPr>
+          <p:sp>
+            <p:nvSpPr>
+              <p:cNvPr id="10" name="Right Brace 9">
+                <a:extLst>
+                  <a:ext uri="{FF2B5EF4-FFF2-40B4-BE49-F238E27FC236}">
+                    <a16:creationId xmlns:a16="http://schemas.microsoft.com/office/drawing/2014/main" id="{40AF36EE-10E4-8CE3-36E4-1FB4CE1A35EB}"/>
+                  </a:ext>
+                </a:extLst>
+              </p:cNvPr>
+              <p:cNvSpPr/>
+              <p:nvPr/>
+            </p:nvSpPr>
+            <p:spPr>
+              <a:xfrm>
+                <a:off x="9803757" y="643359"/>
+                <a:ext cx="335666" cy="1551008"/>
+              </a:xfrm>
+              <a:prstGeom prst="rightBrace">
+                <a:avLst/>
+              </a:prstGeom>
+            </p:spPr>
+            <p:style>
+              <a:lnRef idx="2">
+                <a:schemeClr val="accent1"/>
+              </a:lnRef>
+              <a:fillRef idx="0">
+                <a:schemeClr val="accent1"/>
+              </a:fillRef>
+              <a:effectRef idx="1">
+                <a:schemeClr val="accent1"/>
+              </a:effectRef>
+              <a:fontRef idx="minor">
+                <a:schemeClr val="tx1"/>
+              </a:fontRef>
+            </p:style>
+            <p:txBody>
+              <a:bodyPr rtlCol="0" anchor="ctr"/>
+              <a:lstStyle/>
+              <a:p>
+                <a:pPr algn="ctr"/>
+                <a:endParaRPr lang="en-US"/>
+              </a:p>
+            </p:txBody>
+          </p:sp>
+          <p:sp>
+            <p:nvSpPr>
+              <p:cNvPr id="11" name="Right Brace 10">
+                <a:extLst>
+                  <a:ext uri="{FF2B5EF4-FFF2-40B4-BE49-F238E27FC236}">
+                    <a16:creationId xmlns:a16="http://schemas.microsoft.com/office/drawing/2014/main" id="{9A570B89-3801-6C9E-1A27-02523A2AB618}"/>
+                  </a:ext>
+                </a:extLst>
+              </p:cNvPr>
+              <p:cNvSpPr/>
+              <p:nvPr/>
+            </p:nvSpPr>
+            <p:spPr>
+              <a:xfrm>
+                <a:off x="9803757" y="2212692"/>
+                <a:ext cx="335666" cy="1551008"/>
+              </a:xfrm>
+              <a:prstGeom prst="rightBrace">
+                <a:avLst/>
+              </a:prstGeom>
+            </p:spPr>
+            <p:style>
+              <a:lnRef idx="2">
+                <a:schemeClr val="accent1"/>
+              </a:lnRef>
+              <a:fillRef idx="0">
+                <a:schemeClr val="accent1"/>
+              </a:fillRef>
+              <a:effectRef idx="1">
+                <a:schemeClr val="accent1"/>
+              </a:effectRef>
+              <a:fontRef idx="minor">
+                <a:schemeClr val="tx1"/>
+              </a:fontRef>
+            </p:style>
+            <p:txBody>
+              <a:bodyPr rtlCol="0" anchor="ctr"/>
+              <a:lstStyle/>
+              <a:p>
+                <a:pPr algn="ctr"/>
+                <a:endParaRPr lang="en-US"/>
+              </a:p>
+            </p:txBody>
+          </p:sp>
+          <p:sp>
+            <p:nvSpPr>
+              <p:cNvPr id="12" name="Right Brace 11">
+                <a:extLst>
+                  <a:ext uri="{FF2B5EF4-FFF2-40B4-BE49-F238E27FC236}">
+                    <a16:creationId xmlns:a16="http://schemas.microsoft.com/office/drawing/2014/main" id="{D76C0B03-8F32-965D-28D8-4C1F94807D19}"/>
+                  </a:ext>
+                </a:extLst>
+              </p:cNvPr>
+              <p:cNvSpPr/>
+              <p:nvPr/>
+            </p:nvSpPr>
+            <p:spPr>
+              <a:xfrm>
+                <a:off x="9803757" y="3782025"/>
+                <a:ext cx="335666" cy="1551008"/>
+              </a:xfrm>
+              <a:prstGeom prst="rightBrace">
+                <a:avLst/>
+              </a:prstGeom>
+            </p:spPr>
+            <p:style>
+              <a:lnRef idx="2">
+                <a:schemeClr val="accent1"/>
+              </a:lnRef>
+              <a:fillRef idx="0">
+                <a:schemeClr val="accent1"/>
+              </a:fillRef>
+              <a:effectRef idx="1">
+                <a:schemeClr val="accent1"/>
+              </a:effectRef>
+              <a:fontRef idx="minor">
+                <a:schemeClr val="tx1"/>
+              </a:fontRef>
+            </p:style>
+            <p:txBody>
+              <a:bodyPr rtlCol="0" anchor="ctr"/>
+              <a:lstStyle/>
+              <a:p>
+                <a:pPr algn="ctr"/>
+                <a:endParaRPr lang="en-US"/>
+              </a:p>
+            </p:txBody>
+          </p:sp>
+        </p:grpSp>
+        <p:sp>
+          <p:nvSpPr>
+            <p:cNvPr id="13" name="TextBox 12">
+              <a:extLst>
+                <a:ext uri="{FF2B5EF4-FFF2-40B4-BE49-F238E27FC236}">
+                  <a16:creationId xmlns:a16="http://schemas.microsoft.com/office/drawing/2014/main" id="{EC2D37A0-DDE4-6DE9-F27B-88227433AE20}"/>
+                </a:ext>
+              </a:extLst>
+            </p:cNvPr>
+            <p:cNvSpPr txBox="1"/>
+            <p:nvPr/>
+          </p:nvSpPr>
+          <p:spPr>
+            <a:xfrm>
+              <a:off x="4501177" y="132482"/>
+              <a:ext cx="625033" cy="369332"/>
+            </a:xfrm>
+            <a:prstGeom prst="rect">
+              <a:avLst/>
+            </a:prstGeom>
+            <a:noFill/>
+          </p:spPr>
+          <p:txBody>
+            <a:bodyPr wrap="square" rtlCol="0">
+              <a:spAutoFit/>
+            </a:bodyPr>
+            <a:lstStyle/>
+            <a:p>
+              <a:r>
+                <a:rPr lang="en-US" dirty="0"/>
+                <a:t>s</a:t>
+              </a:r>
+            </a:p>
+          </p:txBody>
+        </p:sp>
+        <p:sp>
+          <p:nvSpPr>
+            <p:cNvPr id="14" name="TextBox 13">
+              <a:extLst>
+                <a:ext uri="{FF2B5EF4-FFF2-40B4-BE49-F238E27FC236}">
+                  <a16:creationId xmlns:a16="http://schemas.microsoft.com/office/drawing/2014/main" id="{A15CE4F0-AAF9-05D7-5F2D-B0DAC498ECC9}"/>
+                </a:ext>
+              </a:extLst>
+            </p:cNvPr>
+            <p:cNvSpPr txBox="1"/>
+            <p:nvPr/>
+          </p:nvSpPr>
+          <p:spPr>
+            <a:xfrm>
+              <a:off x="6502560" y="178102"/>
+              <a:ext cx="625033" cy="369332"/>
+            </a:xfrm>
+            <a:prstGeom prst="rect">
+              <a:avLst/>
+            </a:prstGeom>
+            <a:noFill/>
+          </p:spPr>
+          <p:txBody>
+            <a:bodyPr wrap="square" rtlCol="0">
+              <a:spAutoFit/>
+            </a:bodyPr>
+            <a:lstStyle/>
+            <a:p>
+              <a:r>
+                <a:rPr lang="en-US" dirty="0"/>
+                <a:t>s</a:t>
+              </a:r>
+            </a:p>
+          </p:txBody>
+        </p:sp>
+        <p:sp>
+          <p:nvSpPr>
+            <p:cNvPr id="15" name="TextBox 14">
+              <a:extLst>
+                <a:ext uri="{FF2B5EF4-FFF2-40B4-BE49-F238E27FC236}">
+                  <a16:creationId xmlns:a16="http://schemas.microsoft.com/office/drawing/2014/main" id="{A807431C-9B4A-2A23-07B5-8869CC972266}"/>
+                </a:ext>
+              </a:extLst>
+            </p:cNvPr>
+            <p:cNvSpPr txBox="1"/>
+            <p:nvPr/>
+          </p:nvSpPr>
+          <p:spPr>
+            <a:xfrm>
+              <a:off x="8503943" y="178102"/>
+              <a:ext cx="625033" cy="369332"/>
+            </a:xfrm>
+            <a:prstGeom prst="rect">
+              <a:avLst/>
+            </a:prstGeom>
+            <a:noFill/>
+          </p:spPr>
+          <p:txBody>
+            <a:bodyPr wrap="square" rtlCol="0">
+              <a:spAutoFit/>
+            </a:bodyPr>
+            <a:lstStyle/>
+            <a:p>
+              <a:r>
+                <a:rPr lang="en-US" dirty="0"/>
+                <a:t>s</a:t>
+              </a:r>
+            </a:p>
+          </p:txBody>
+        </p:sp>
+      </p:grpSp>
+      <p:grpSp>
+        <p:nvGrpSpPr>
+          <p:cNvPr id="19" name="Group 18">
+            <a:extLst>
+              <a:ext uri="{FF2B5EF4-FFF2-40B4-BE49-F238E27FC236}">
+                <a16:creationId xmlns:a16="http://schemas.microsoft.com/office/drawing/2014/main" id="{066D5E78-7BB5-6B55-1441-849DB080EA77}"/>
+              </a:ext>
+            </a:extLst>
+          </p:cNvPr>
+          <p:cNvGrpSpPr/>
+          <p:nvPr/>
+        </p:nvGrpSpPr>
+        <p:grpSpPr>
+          <a:xfrm>
+            <a:off x="9560689" y="770680"/>
+            <a:ext cx="772031" cy="5745866"/>
+            <a:chOff x="9560689" y="770680"/>
+            <a:chExt cx="772031" cy="5745866"/>
+          </a:xfrm>
+        </p:grpSpPr>
+        <p:grpSp>
+          <p:nvGrpSpPr>
+            <p:cNvPr id="8" name="Group 7">
+              <a:extLst>
+                <a:ext uri="{FF2B5EF4-FFF2-40B4-BE49-F238E27FC236}">
+                  <a16:creationId xmlns:a16="http://schemas.microsoft.com/office/drawing/2014/main" id="{3DD8A191-8B48-8731-D628-9B44DB98581A}"/>
+                </a:ext>
+              </a:extLst>
+            </p:cNvPr>
+            <p:cNvGrpSpPr>
+              <a:grpSpLocks/>
+            </p:cNvGrpSpPr>
+            <p:nvPr/>
+          </p:nvGrpSpPr>
+          <p:grpSpPr>
+            <a:xfrm>
+              <a:off x="9560689" y="770680"/>
+              <a:ext cx="274320" cy="5745866"/>
+              <a:chOff x="9803757" y="643359"/>
+              <a:chExt cx="335666" cy="4689674"/>
+            </a:xfrm>
+          </p:grpSpPr>
+          <p:sp>
+            <p:nvSpPr>
+              <p:cNvPr id="5" name="Right Brace 4">
+                <a:extLst>
+                  <a:ext uri="{FF2B5EF4-FFF2-40B4-BE49-F238E27FC236}">
+                    <a16:creationId xmlns:a16="http://schemas.microsoft.com/office/drawing/2014/main" id="{D45D506D-54A5-882C-2304-B3F8BD69DE06}"/>
+                  </a:ext>
+                </a:extLst>
+              </p:cNvPr>
+              <p:cNvSpPr/>
+              <p:nvPr/>
+            </p:nvSpPr>
+            <p:spPr>
+              <a:xfrm>
+                <a:off x="9803757" y="643359"/>
+                <a:ext cx="335666" cy="1551008"/>
+              </a:xfrm>
+              <a:prstGeom prst="rightBrace">
+                <a:avLst/>
+              </a:prstGeom>
+            </p:spPr>
+            <p:style>
+              <a:lnRef idx="2">
+                <a:schemeClr val="accent1"/>
+              </a:lnRef>
+              <a:fillRef idx="0">
+                <a:schemeClr val="accent1"/>
+              </a:fillRef>
+              <a:effectRef idx="1">
+                <a:schemeClr val="accent1"/>
+              </a:effectRef>
+              <a:fontRef idx="minor">
+                <a:schemeClr val="tx1"/>
+              </a:fontRef>
+            </p:style>
+            <p:txBody>
+              <a:bodyPr rtlCol="0" anchor="ctr"/>
+              <a:lstStyle/>
+              <a:p>
+                <a:pPr algn="ctr"/>
+                <a:endParaRPr lang="en-US"/>
+              </a:p>
+            </p:txBody>
+          </p:sp>
+          <p:sp>
+            <p:nvSpPr>
+              <p:cNvPr id="6" name="Right Brace 5">
+                <a:extLst>
+                  <a:ext uri="{FF2B5EF4-FFF2-40B4-BE49-F238E27FC236}">
+                    <a16:creationId xmlns:a16="http://schemas.microsoft.com/office/drawing/2014/main" id="{FD55B985-417A-23B0-9F9C-6DF388944520}"/>
+                  </a:ext>
+                </a:extLst>
+              </p:cNvPr>
+              <p:cNvSpPr/>
+              <p:nvPr/>
+            </p:nvSpPr>
+            <p:spPr>
+              <a:xfrm>
+                <a:off x="9803757" y="2212692"/>
+                <a:ext cx="335666" cy="1551008"/>
+              </a:xfrm>
+              <a:prstGeom prst="rightBrace">
+                <a:avLst/>
+              </a:prstGeom>
+            </p:spPr>
+            <p:style>
+              <a:lnRef idx="2">
+                <a:schemeClr val="accent1"/>
+              </a:lnRef>
+              <a:fillRef idx="0">
+                <a:schemeClr val="accent1"/>
+              </a:fillRef>
+              <a:effectRef idx="1">
+                <a:schemeClr val="accent1"/>
+              </a:effectRef>
+              <a:fontRef idx="minor">
+                <a:schemeClr val="tx1"/>
+              </a:fontRef>
+            </p:style>
+            <p:txBody>
+              <a:bodyPr rtlCol="0" anchor="ctr"/>
+              <a:lstStyle/>
+              <a:p>
+                <a:pPr algn="ctr"/>
+                <a:endParaRPr lang="en-US"/>
+              </a:p>
+            </p:txBody>
+          </p:sp>
+          <p:sp>
+            <p:nvSpPr>
+              <p:cNvPr id="7" name="Right Brace 6">
+                <a:extLst>
+                  <a:ext uri="{FF2B5EF4-FFF2-40B4-BE49-F238E27FC236}">
+                    <a16:creationId xmlns:a16="http://schemas.microsoft.com/office/drawing/2014/main" id="{9DA689F8-5297-E304-48E9-270EA42871BB}"/>
+                  </a:ext>
+                </a:extLst>
+              </p:cNvPr>
+              <p:cNvSpPr/>
+              <p:nvPr/>
+            </p:nvSpPr>
+            <p:spPr>
+              <a:xfrm>
+                <a:off x="9803757" y="3782025"/>
+                <a:ext cx="335666" cy="1551008"/>
+              </a:xfrm>
+              <a:prstGeom prst="rightBrace">
+                <a:avLst/>
+              </a:prstGeom>
+            </p:spPr>
+            <p:style>
+              <a:lnRef idx="2">
+                <a:schemeClr val="accent1"/>
+              </a:lnRef>
+              <a:fillRef idx="0">
+                <a:schemeClr val="accent1"/>
+              </a:fillRef>
+              <a:effectRef idx="1">
+                <a:schemeClr val="accent1"/>
+              </a:effectRef>
+              <a:fontRef idx="minor">
+                <a:schemeClr val="tx1"/>
+              </a:fontRef>
+            </p:style>
+            <p:txBody>
+              <a:bodyPr rtlCol="0" anchor="ctr"/>
+              <a:lstStyle/>
+              <a:p>
+                <a:pPr algn="ctr"/>
+                <a:endParaRPr lang="en-US"/>
+              </a:p>
+            </p:txBody>
+          </p:sp>
+        </p:grpSp>
+        <p:sp>
+          <p:nvSpPr>
+            <p:cNvPr id="16" name="TextBox 15">
+              <a:extLst>
+                <a:ext uri="{FF2B5EF4-FFF2-40B4-BE49-F238E27FC236}">
+                  <a16:creationId xmlns:a16="http://schemas.microsoft.com/office/drawing/2014/main" id="{9341E3BA-0325-8ABF-E528-EE9447A039F7}"/>
+                </a:ext>
+              </a:extLst>
+            </p:cNvPr>
+            <p:cNvSpPr txBox="1"/>
+            <p:nvPr/>
+          </p:nvSpPr>
+          <p:spPr>
+            <a:xfrm>
+              <a:off x="9707687" y="1351508"/>
+              <a:ext cx="625033" cy="369332"/>
+            </a:xfrm>
+            <a:prstGeom prst="rect">
+              <a:avLst/>
+            </a:prstGeom>
+            <a:noFill/>
+          </p:spPr>
+          <p:txBody>
+            <a:bodyPr wrap="square" rtlCol="0">
+              <a:spAutoFit/>
+            </a:bodyPr>
+            <a:lstStyle/>
+            <a:p>
+              <a:r>
+                <a:rPr lang="en-US" dirty="0"/>
+                <a:t>s</a:t>
+              </a:r>
+            </a:p>
+          </p:txBody>
+        </p:sp>
+        <p:sp>
+          <p:nvSpPr>
+            <p:cNvPr id="17" name="TextBox 16">
+              <a:extLst>
+                <a:ext uri="{FF2B5EF4-FFF2-40B4-BE49-F238E27FC236}">
+                  <a16:creationId xmlns:a16="http://schemas.microsoft.com/office/drawing/2014/main" id="{3EC18F5C-7289-9B34-80BF-F21CBA531739}"/>
+                </a:ext>
+              </a:extLst>
+            </p:cNvPr>
+            <p:cNvSpPr txBox="1"/>
+            <p:nvPr/>
+          </p:nvSpPr>
+          <p:spPr>
+            <a:xfrm>
+              <a:off x="9694377" y="3274281"/>
+              <a:ext cx="625033" cy="369332"/>
+            </a:xfrm>
+            <a:prstGeom prst="rect">
+              <a:avLst/>
+            </a:prstGeom>
+            <a:noFill/>
+          </p:spPr>
+          <p:txBody>
+            <a:bodyPr wrap="square" rtlCol="0">
+              <a:spAutoFit/>
+            </a:bodyPr>
+            <a:lstStyle/>
+            <a:p>
+              <a:r>
+                <a:rPr lang="en-US" dirty="0"/>
+                <a:t>s</a:t>
+              </a:r>
+            </a:p>
+          </p:txBody>
+        </p:sp>
+        <p:sp>
+          <p:nvSpPr>
+            <p:cNvPr id="18" name="TextBox 17">
+              <a:extLst>
+                <a:ext uri="{FF2B5EF4-FFF2-40B4-BE49-F238E27FC236}">
+                  <a16:creationId xmlns:a16="http://schemas.microsoft.com/office/drawing/2014/main" id="{593D9BC1-59E4-52E5-F64F-E937A47AB721}"/>
+                </a:ext>
+              </a:extLst>
+            </p:cNvPr>
+            <p:cNvSpPr txBox="1"/>
+            <p:nvPr/>
+          </p:nvSpPr>
+          <p:spPr>
+            <a:xfrm>
+              <a:off x="9690905" y="5197054"/>
+              <a:ext cx="625033" cy="369332"/>
+            </a:xfrm>
+            <a:prstGeom prst="rect">
+              <a:avLst/>
+            </a:prstGeom>
+            <a:noFill/>
+          </p:spPr>
+          <p:txBody>
+            <a:bodyPr wrap="square" rtlCol="0">
+              <a:spAutoFit/>
+            </a:bodyPr>
+            <a:lstStyle/>
+            <a:p>
+              <a:r>
+                <a:rPr lang="en-US" dirty="0"/>
+                <a:t>s</a:t>
+              </a:r>
+            </a:p>
+          </p:txBody>
+        </p:sp>
+      </p:grpSp>
+      <p:sp>
+        <p:nvSpPr>
+          <p:cNvPr id="21" name="Rectangle 20">
+            <a:extLst>
+              <a:ext uri="{FF2B5EF4-FFF2-40B4-BE49-F238E27FC236}">
+                <a16:creationId xmlns:a16="http://schemas.microsoft.com/office/drawing/2014/main" id="{D14A0890-6027-62A9-7402-B22C19C033A3}"/>
+              </a:ext>
+            </a:extLst>
+          </p:cNvPr>
+          <p:cNvSpPr/>
+          <p:nvPr/>
+        </p:nvSpPr>
+        <p:spPr>
+          <a:xfrm>
+            <a:off x="5709138" y="2693453"/>
+            <a:ext cx="2286000" cy="2241962"/>
+          </a:xfrm>
+          <a:prstGeom prst="rect">
+            <a:avLst/>
+          </a:prstGeom>
+          <a:noFill/>
+          <a:ln>
+            <a:solidFill>
+              <a:srgbClr val="0000FF"/>
+            </a:solidFill>
+          </a:ln>
+        </p:spPr>
+        <p:style>
+          <a:lnRef idx="2">
+            <a:schemeClr val="accent1">
+              <a:shade val="15000"/>
+            </a:schemeClr>
+          </a:lnRef>
+          <a:fillRef idx="1">
+            <a:schemeClr val="accent1"/>
+          </a:fillRef>
+          <a:effectRef idx="0">
+            <a:schemeClr val="accent1"/>
+          </a:effectRef>
+          <a:fontRef idx="minor">
+            <a:schemeClr val="lt1"/>
+          </a:fontRef>
+        </p:style>
+        <p:txBody>
+          <a:bodyPr rtlCol="0" anchor="ctr"/>
+          <a:lstStyle/>
+          <a:p>
+            <a:pPr algn="ctr"/>
+            <a:endParaRPr lang="en-US"/>
+          </a:p>
+        </p:txBody>
+      </p:sp>
+      <p:sp>
+        <p:nvSpPr>
+          <p:cNvPr id="22" name="TextBox 21">
+            <a:extLst>
+              <a:ext uri="{FF2B5EF4-FFF2-40B4-BE49-F238E27FC236}">
+                <a16:creationId xmlns:a16="http://schemas.microsoft.com/office/drawing/2014/main" id="{01654773-0DE1-F05B-ECAE-FBA28A200149}"/>
+              </a:ext>
+            </a:extLst>
+          </p:cNvPr>
+          <p:cNvSpPr txBox="1"/>
+          <p:nvPr/>
+        </p:nvSpPr>
+        <p:spPr>
+          <a:xfrm>
+            <a:off x="5709138" y="2693453"/>
+            <a:ext cx="890954" cy="307777"/>
+          </a:xfrm>
+          <a:prstGeom prst="rect">
+            <a:avLst/>
+          </a:prstGeom>
+          <a:noFill/>
+        </p:spPr>
+        <p:txBody>
+          <a:bodyPr wrap="square" rtlCol="0">
+            <a:spAutoFit/>
+          </a:bodyPr>
+          <a:lstStyle/>
+          <a:p>
+            <a:r>
+              <a:rPr lang="en-US" sz="1400" dirty="0" err="1">
+                <a:solidFill>
+                  <a:srgbClr val="0000FF"/>
+                </a:solidFill>
+              </a:rPr>
+              <a:t>s,s</a:t>
+            </a:r>
+            <a:endParaRPr lang="en-US" sz="1400" dirty="0">
+              <a:solidFill>
+                <a:srgbClr val="0000FF"/>
+              </a:solidFill>
+            </a:endParaRPr>
+          </a:p>
+        </p:txBody>
+      </p:sp>
+      <p:sp>
+        <p:nvSpPr>
+          <p:cNvPr id="23" name="TextBox 22">
+            <a:extLst>
+              <a:ext uri="{FF2B5EF4-FFF2-40B4-BE49-F238E27FC236}">
+                <a16:creationId xmlns:a16="http://schemas.microsoft.com/office/drawing/2014/main" id="{0859F055-3CF6-8649-8978-C9463E6554A2}"/>
+              </a:ext>
+            </a:extLst>
+          </p:cNvPr>
+          <p:cNvSpPr txBox="1"/>
+          <p:nvPr/>
+        </p:nvSpPr>
+        <p:spPr>
+          <a:xfrm>
+            <a:off x="6764215" y="4566083"/>
+            <a:ext cx="1622202" cy="307777"/>
+          </a:xfrm>
+          <a:prstGeom prst="rect">
+            <a:avLst/>
+          </a:prstGeom>
+          <a:noFill/>
+        </p:spPr>
+        <p:txBody>
+          <a:bodyPr wrap="square" rtlCol="0">
+            <a:spAutoFit/>
+          </a:bodyPr>
+          <a:lstStyle/>
+          <a:p>
+            <a:r>
+              <a:rPr lang="en-US" sz="1400" dirty="0">
+                <a:solidFill>
+                  <a:srgbClr val="0000FF"/>
+                </a:solidFill>
+              </a:rPr>
+              <a:t>s+w0,s+h0</a:t>
+            </a:r>
+          </a:p>
+        </p:txBody>
+      </p:sp>
+      <p:sp>
+        <p:nvSpPr>
+          <p:cNvPr id="24" name="TextBox 23">
+            <a:extLst>
+              <a:ext uri="{FF2B5EF4-FFF2-40B4-BE49-F238E27FC236}">
+                <a16:creationId xmlns:a16="http://schemas.microsoft.com/office/drawing/2014/main" id="{3FBA11D3-EC05-994C-06E9-D52ED844914D}"/>
+              </a:ext>
+            </a:extLst>
+          </p:cNvPr>
+          <p:cNvSpPr txBox="1"/>
+          <p:nvPr/>
+        </p:nvSpPr>
+        <p:spPr>
+          <a:xfrm>
+            <a:off x="6646984" y="3634450"/>
+            <a:ext cx="746664" cy="369332"/>
+          </a:xfrm>
+          <a:prstGeom prst="rect">
+            <a:avLst/>
+          </a:prstGeom>
+          <a:noFill/>
+        </p:spPr>
+        <p:txBody>
+          <a:bodyPr wrap="square" rtlCol="0">
+            <a:spAutoFit/>
+          </a:bodyPr>
+          <a:lstStyle/>
+          <a:p>
+            <a:r>
+              <a:rPr lang="en-US" dirty="0">
+                <a:solidFill>
+                  <a:srgbClr val="0000FF"/>
+                </a:solidFill>
+              </a:rPr>
+              <a:t>im0</a:t>
+            </a:r>
+          </a:p>
+        </p:txBody>
+      </p:sp>
+      <p:sp>
+        <p:nvSpPr>
+          <p:cNvPr id="25" name="Rectangle 24">
+            <a:extLst>
+              <a:ext uri="{FF2B5EF4-FFF2-40B4-BE49-F238E27FC236}">
+                <a16:creationId xmlns:a16="http://schemas.microsoft.com/office/drawing/2014/main" id="{DDA27C11-89BD-0525-FA4F-E4466B0203EE}"/>
+              </a:ext>
+            </a:extLst>
+          </p:cNvPr>
+          <p:cNvSpPr/>
+          <p:nvPr/>
+        </p:nvSpPr>
+        <p:spPr>
+          <a:xfrm>
+            <a:off x="5644234" y="429039"/>
+            <a:ext cx="1645744" cy="2241962"/>
+          </a:xfrm>
+          <a:prstGeom prst="rect">
+            <a:avLst/>
+          </a:prstGeom>
+          <a:noFill/>
+          <a:ln>
+            <a:solidFill>
+              <a:schemeClr val="accent6">
+                <a:lumMod val="50000"/>
+              </a:schemeClr>
+            </a:solidFill>
+          </a:ln>
+        </p:spPr>
+        <p:style>
+          <a:lnRef idx="2">
+            <a:schemeClr val="accent1">
+              <a:shade val="15000"/>
+            </a:schemeClr>
+          </a:lnRef>
+          <a:fillRef idx="1">
+            <a:schemeClr val="accent1"/>
+          </a:fillRef>
+          <a:effectRef idx="0">
+            <a:schemeClr val="accent1"/>
+          </a:effectRef>
+          <a:fontRef idx="minor">
+            <a:schemeClr val="lt1"/>
+          </a:fontRef>
+        </p:style>
+        <p:txBody>
+          <a:bodyPr rtlCol="0" anchor="ctr"/>
+          <a:lstStyle/>
+          <a:p>
+            <a:pPr algn="ctr"/>
+            <a:endParaRPr lang="en-US"/>
+          </a:p>
+        </p:txBody>
+      </p:sp>
+      <p:sp>
+        <p:nvSpPr>
+          <p:cNvPr id="26" name="TextBox 25">
+            <a:extLst>
+              <a:ext uri="{FF2B5EF4-FFF2-40B4-BE49-F238E27FC236}">
+                <a16:creationId xmlns:a16="http://schemas.microsoft.com/office/drawing/2014/main" id="{123F265C-CB34-6800-4BA8-25B1E45A8795}"/>
+              </a:ext>
+            </a:extLst>
+          </p:cNvPr>
+          <p:cNvSpPr txBox="1"/>
+          <p:nvPr/>
+        </p:nvSpPr>
+        <p:spPr>
+          <a:xfrm>
+            <a:off x="5611309" y="720332"/>
+            <a:ext cx="1645743" cy="307777"/>
+          </a:xfrm>
+          <a:prstGeom prst="rect">
+            <a:avLst/>
+          </a:prstGeom>
+          <a:noFill/>
+        </p:spPr>
+        <p:txBody>
+          <a:bodyPr wrap="square" rtlCol="0">
+            <a:spAutoFit/>
+          </a:bodyPr>
+          <a:lstStyle/>
+          <a:p>
+            <a:r>
+              <a:rPr lang="en-US" sz="1400" dirty="0" err="1">
+                <a:solidFill>
+                  <a:schemeClr val="accent6">
+                    <a:lumMod val="50000"/>
+                  </a:schemeClr>
+                </a:solidFill>
+              </a:rPr>
+              <a:t>s,max</a:t>
+            </a:r>
+            <a:r>
+              <a:rPr lang="en-US" sz="1400" dirty="0">
+                <a:solidFill>
+                  <a:schemeClr val="accent6">
+                    <a:lumMod val="50000"/>
+                  </a:schemeClr>
+                </a:solidFill>
+              </a:rPr>
+              <a:t>(s-h, 0)</a:t>
+            </a:r>
+          </a:p>
+        </p:txBody>
+      </p:sp>
+      <p:sp>
+        <p:nvSpPr>
+          <p:cNvPr id="27" name="TextBox 26">
+            <a:extLst>
+              <a:ext uri="{FF2B5EF4-FFF2-40B4-BE49-F238E27FC236}">
+                <a16:creationId xmlns:a16="http://schemas.microsoft.com/office/drawing/2014/main" id="{2787B053-F8EF-8602-CCC0-394AC26C78C2}"/>
+              </a:ext>
+            </a:extLst>
+          </p:cNvPr>
+          <p:cNvSpPr txBox="1"/>
+          <p:nvPr/>
+        </p:nvSpPr>
+        <p:spPr>
+          <a:xfrm>
+            <a:off x="6467106" y="2301669"/>
+            <a:ext cx="1645743" cy="307777"/>
+          </a:xfrm>
+          <a:prstGeom prst="rect">
+            <a:avLst/>
+          </a:prstGeom>
+          <a:noFill/>
+        </p:spPr>
+        <p:txBody>
+          <a:bodyPr wrap="square" rtlCol="0">
+            <a:spAutoFit/>
+          </a:bodyPr>
+          <a:lstStyle/>
+          <a:p>
+            <a:r>
+              <a:rPr lang="en-US" sz="1400" dirty="0">
+                <a:solidFill>
+                  <a:schemeClr val="accent6">
+                    <a:lumMod val="50000"/>
+                  </a:schemeClr>
+                </a:solidFill>
+              </a:rPr>
+              <a:t>s+w1, s</a:t>
+            </a:r>
+          </a:p>
+        </p:txBody>
+      </p:sp>
+      <p:sp>
+        <p:nvSpPr>
+          <p:cNvPr id="28" name="TextBox 27">
+            <a:extLst>
+              <a:ext uri="{FF2B5EF4-FFF2-40B4-BE49-F238E27FC236}">
+                <a16:creationId xmlns:a16="http://schemas.microsoft.com/office/drawing/2014/main" id="{9776ABF3-609B-1962-89F8-0A320A7D7D5C}"/>
+              </a:ext>
+            </a:extLst>
+          </p:cNvPr>
+          <p:cNvSpPr txBox="1"/>
+          <p:nvPr/>
+        </p:nvSpPr>
+        <p:spPr>
+          <a:xfrm>
+            <a:off x="6235548" y="1594893"/>
+            <a:ext cx="822872" cy="369332"/>
+          </a:xfrm>
+          <a:prstGeom prst="rect">
+            <a:avLst/>
+          </a:prstGeom>
+          <a:noFill/>
+        </p:spPr>
+        <p:txBody>
+          <a:bodyPr wrap="square" rtlCol="0">
+            <a:spAutoFit/>
+          </a:bodyPr>
+          <a:lstStyle/>
+          <a:p>
+            <a:r>
+              <a:rPr lang="en-US" dirty="0">
+                <a:solidFill>
+                  <a:schemeClr val="accent6">
+                    <a:lumMod val="50000"/>
+                  </a:schemeClr>
+                </a:solidFill>
+              </a:rPr>
+              <a:t>im1</a:t>
+            </a:r>
+          </a:p>
+        </p:txBody>
+      </p:sp>
+      <p:sp>
+        <p:nvSpPr>
+          <p:cNvPr id="29" name="Rectangle 28">
+            <a:extLst>
+              <a:ext uri="{FF2B5EF4-FFF2-40B4-BE49-F238E27FC236}">
+                <a16:creationId xmlns:a16="http://schemas.microsoft.com/office/drawing/2014/main" id="{05C6A71A-6B36-AF0A-4DDB-40624BC08247}"/>
+              </a:ext>
+            </a:extLst>
+          </p:cNvPr>
+          <p:cNvSpPr/>
+          <p:nvPr/>
+        </p:nvSpPr>
+        <p:spPr>
+          <a:xfrm>
+            <a:off x="7318358" y="971269"/>
+            <a:ext cx="3014361" cy="1699732"/>
+          </a:xfrm>
+          <a:prstGeom prst="rect">
+            <a:avLst/>
+          </a:prstGeom>
+          <a:noFill/>
+          <a:ln>
+            <a:solidFill>
+              <a:srgbClr val="7030A0"/>
+            </a:solidFill>
+          </a:ln>
+        </p:spPr>
+        <p:style>
+          <a:lnRef idx="2">
+            <a:schemeClr val="accent1">
+              <a:shade val="15000"/>
+            </a:schemeClr>
+          </a:lnRef>
+          <a:fillRef idx="1">
+            <a:schemeClr val="accent1"/>
+          </a:fillRef>
+          <a:effectRef idx="0">
+            <a:schemeClr val="accent1"/>
+          </a:effectRef>
+          <a:fontRef idx="minor">
+            <a:schemeClr val="lt1"/>
+          </a:fontRef>
+        </p:style>
+        <p:txBody>
+          <a:bodyPr rtlCol="0" anchor="ctr"/>
+          <a:lstStyle/>
+          <a:p>
+            <a:pPr algn="ctr"/>
+            <a:endParaRPr lang="en-US"/>
+          </a:p>
+        </p:txBody>
+      </p:sp>
+      <p:sp>
+        <p:nvSpPr>
+          <p:cNvPr id="30" name="TextBox 29">
+            <a:extLst>
+              <a:ext uri="{FF2B5EF4-FFF2-40B4-BE49-F238E27FC236}">
+                <a16:creationId xmlns:a16="http://schemas.microsoft.com/office/drawing/2014/main" id="{5F2CC61E-71BE-ED13-0BD8-60C0B3972EC9}"/>
+              </a:ext>
+            </a:extLst>
+          </p:cNvPr>
+          <p:cNvSpPr txBox="1"/>
+          <p:nvPr/>
+        </p:nvSpPr>
+        <p:spPr>
+          <a:xfrm>
+            <a:off x="7404050" y="984796"/>
+            <a:ext cx="2156638" cy="307777"/>
+          </a:xfrm>
+          <a:prstGeom prst="rect">
+            <a:avLst/>
+          </a:prstGeom>
+          <a:noFill/>
+        </p:spPr>
+        <p:txBody>
+          <a:bodyPr wrap="square" rtlCol="0">
+            <a:spAutoFit/>
+          </a:bodyPr>
+          <a:lstStyle/>
+          <a:p>
+            <a:r>
+              <a:rPr lang="en-US" sz="1400" dirty="0">
+                <a:solidFill>
+                  <a:srgbClr val="7030A0"/>
+                </a:solidFill>
+              </a:rPr>
+              <a:t>s+w1, max(s-h2, 0)</a:t>
+            </a:r>
+          </a:p>
+        </p:txBody>
+      </p:sp>
+      <p:sp>
+        <p:nvSpPr>
+          <p:cNvPr id="31" name="TextBox 30">
+            <a:extLst>
+              <a:ext uri="{FF2B5EF4-FFF2-40B4-BE49-F238E27FC236}">
+                <a16:creationId xmlns:a16="http://schemas.microsoft.com/office/drawing/2014/main" id="{DD7D7744-0ADD-F096-B4C0-CC4C34CBFCFE}"/>
+              </a:ext>
+            </a:extLst>
+          </p:cNvPr>
+          <p:cNvSpPr txBox="1"/>
+          <p:nvPr/>
+        </p:nvSpPr>
+        <p:spPr>
+          <a:xfrm>
+            <a:off x="8045162" y="2308110"/>
+            <a:ext cx="1645743" cy="307777"/>
+          </a:xfrm>
+          <a:prstGeom prst="rect">
+            <a:avLst/>
+          </a:prstGeom>
+          <a:noFill/>
+        </p:spPr>
+        <p:txBody>
+          <a:bodyPr wrap="square" rtlCol="0">
+            <a:spAutoFit/>
+          </a:bodyPr>
+          <a:lstStyle/>
+          <a:p>
+            <a:r>
+              <a:rPr lang="en-US" sz="1400" dirty="0">
+                <a:solidFill>
+                  <a:srgbClr val="7030A0"/>
+                </a:solidFill>
+              </a:rPr>
+              <a:t>s+w1+w2, s</a:t>
+            </a:r>
+          </a:p>
+        </p:txBody>
+      </p:sp>
+      <p:sp>
+        <p:nvSpPr>
+          <p:cNvPr id="32" name="Rectangle 31">
+            <a:extLst>
+              <a:ext uri="{FF2B5EF4-FFF2-40B4-BE49-F238E27FC236}">
+                <a16:creationId xmlns:a16="http://schemas.microsoft.com/office/drawing/2014/main" id="{655E56E9-B2DC-D718-DEC7-232508C44366}"/>
+              </a:ext>
+            </a:extLst>
+          </p:cNvPr>
+          <p:cNvSpPr/>
+          <p:nvPr/>
+        </p:nvSpPr>
+        <p:spPr>
+          <a:xfrm>
+            <a:off x="7995138" y="2695237"/>
+            <a:ext cx="2286000" cy="1900321"/>
+          </a:xfrm>
+          <a:prstGeom prst="rect">
+            <a:avLst/>
+          </a:prstGeom>
+          <a:noFill/>
+          <a:ln>
+            <a:solidFill>
+              <a:srgbClr val="996633"/>
+            </a:solidFill>
+          </a:ln>
+        </p:spPr>
+        <p:style>
+          <a:lnRef idx="2">
+            <a:schemeClr val="accent1">
+              <a:shade val="15000"/>
+            </a:schemeClr>
+          </a:lnRef>
+          <a:fillRef idx="1">
+            <a:schemeClr val="accent1"/>
+          </a:fillRef>
+          <a:effectRef idx="0">
+            <a:schemeClr val="accent1"/>
+          </a:effectRef>
+          <a:fontRef idx="minor">
+            <a:schemeClr val="lt1"/>
+          </a:fontRef>
+        </p:style>
+        <p:txBody>
+          <a:bodyPr rtlCol="0" anchor="ctr"/>
+          <a:lstStyle/>
+          <a:p>
+            <a:pPr algn="ctr"/>
+            <a:endParaRPr lang="en-US"/>
+          </a:p>
+        </p:txBody>
+      </p:sp>
+      <p:sp>
+        <p:nvSpPr>
+          <p:cNvPr id="33" name="TextBox 32">
+            <a:extLst>
+              <a:ext uri="{FF2B5EF4-FFF2-40B4-BE49-F238E27FC236}">
+                <a16:creationId xmlns:a16="http://schemas.microsoft.com/office/drawing/2014/main" id="{DA1A4868-5E87-E48E-6200-93A66BF41EEC}"/>
+              </a:ext>
+            </a:extLst>
+          </p:cNvPr>
+          <p:cNvSpPr txBox="1"/>
+          <p:nvPr/>
+        </p:nvSpPr>
+        <p:spPr>
+          <a:xfrm>
+            <a:off x="8045162" y="2691906"/>
+            <a:ext cx="1180899" cy="307777"/>
+          </a:xfrm>
+          <a:prstGeom prst="rect">
+            <a:avLst/>
+          </a:prstGeom>
+          <a:noFill/>
+        </p:spPr>
+        <p:txBody>
+          <a:bodyPr wrap="square" rtlCol="0">
+            <a:spAutoFit/>
+          </a:bodyPr>
+          <a:lstStyle/>
+          <a:p>
+            <a:r>
+              <a:rPr lang="en-US" sz="1400" dirty="0">
+                <a:solidFill>
+                  <a:srgbClr val="996633"/>
+                </a:solidFill>
+              </a:rPr>
+              <a:t>s+w0, s</a:t>
+            </a:r>
+          </a:p>
+        </p:txBody>
+      </p:sp>
+      <p:sp>
+        <p:nvSpPr>
+          <p:cNvPr id="36" name="TextBox 35">
+            <a:extLst>
+              <a:ext uri="{FF2B5EF4-FFF2-40B4-BE49-F238E27FC236}">
+                <a16:creationId xmlns:a16="http://schemas.microsoft.com/office/drawing/2014/main" id="{DAEC4936-0CE1-9D6C-81BA-D861ED982211}"/>
+              </a:ext>
+            </a:extLst>
+          </p:cNvPr>
+          <p:cNvSpPr txBox="1"/>
+          <p:nvPr/>
+        </p:nvSpPr>
+        <p:spPr>
+          <a:xfrm>
+            <a:off x="8112849" y="3977120"/>
+            <a:ext cx="2580433" cy="523220"/>
+          </a:xfrm>
+          <a:prstGeom prst="rect">
+            <a:avLst/>
+          </a:prstGeom>
+          <a:noFill/>
+        </p:spPr>
+        <p:txBody>
+          <a:bodyPr wrap="square" rtlCol="0">
+            <a:spAutoFit/>
+          </a:bodyPr>
+          <a:lstStyle/>
+          <a:p>
+            <a:r>
+              <a:rPr lang="en-US" sz="1400" dirty="0">
+                <a:solidFill>
+                  <a:srgbClr val="996633"/>
+                </a:solidFill>
+              </a:rPr>
+              <a:t>max(s+w0+w3, s*3), max(s+h3, s*3)</a:t>
+            </a:r>
+          </a:p>
+        </p:txBody>
+      </p:sp>
+      <p:sp>
+        <p:nvSpPr>
+          <p:cNvPr id="37" name="TextBox 36">
+            <a:extLst>
+              <a:ext uri="{FF2B5EF4-FFF2-40B4-BE49-F238E27FC236}">
+                <a16:creationId xmlns:a16="http://schemas.microsoft.com/office/drawing/2014/main" id="{B90864D4-6FC7-1C7F-8E08-2CD6222ABE18}"/>
+              </a:ext>
+            </a:extLst>
+          </p:cNvPr>
+          <p:cNvSpPr txBox="1"/>
+          <p:nvPr/>
+        </p:nvSpPr>
+        <p:spPr>
+          <a:xfrm>
+            <a:off x="8141187" y="1699609"/>
+            <a:ext cx="822872" cy="369332"/>
+          </a:xfrm>
+          <a:prstGeom prst="rect">
+            <a:avLst/>
+          </a:prstGeom>
+          <a:noFill/>
+        </p:spPr>
+        <p:txBody>
+          <a:bodyPr wrap="square" rtlCol="0">
+            <a:spAutoFit/>
+          </a:bodyPr>
+          <a:lstStyle/>
+          <a:p>
+            <a:r>
+              <a:rPr lang="en-US" dirty="0">
+                <a:solidFill>
+                  <a:srgbClr val="7030A0"/>
+                </a:solidFill>
+              </a:rPr>
+              <a:t>im2</a:t>
+            </a:r>
+          </a:p>
+        </p:txBody>
+      </p:sp>
+      <p:sp>
+        <p:nvSpPr>
+          <p:cNvPr id="38" name="TextBox 37">
+            <a:extLst>
+              <a:ext uri="{FF2B5EF4-FFF2-40B4-BE49-F238E27FC236}">
+                <a16:creationId xmlns:a16="http://schemas.microsoft.com/office/drawing/2014/main" id="{872D8D8A-E648-EE71-B9DF-F260C289A8F1}"/>
+              </a:ext>
+            </a:extLst>
+          </p:cNvPr>
+          <p:cNvSpPr txBox="1"/>
+          <p:nvPr/>
+        </p:nvSpPr>
+        <p:spPr>
+          <a:xfrm>
+            <a:off x="8552623" y="3511822"/>
+            <a:ext cx="822872" cy="369332"/>
+          </a:xfrm>
+          <a:prstGeom prst="rect">
+            <a:avLst/>
+          </a:prstGeom>
+          <a:noFill/>
+        </p:spPr>
+        <p:txBody>
+          <a:bodyPr wrap="square" rtlCol="0">
+            <a:spAutoFit/>
+          </a:bodyPr>
+          <a:lstStyle/>
+          <a:p>
+            <a:r>
+              <a:rPr lang="en-US" dirty="0">
+                <a:solidFill>
+                  <a:srgbClr val="996633"/>
+                </a:solidFill>
+              </a:rPr>
+              <a:t>im3</a:t>
+            </a:r>
+          </a:p>
+        </p:txBody>
+      </p:sp>
+      <p:sp>
+        <p:nvSpPr>
+          <p:cNvPr id="39" name="Rectangle 38">
+            <a:extLst>
+              <a:ext uri="{FF2B5EF4-FFF2-40B4-BE49-F238E27FC236}">
+                <a16:creationId xmlns:a16="http://schemas.microsoft.com/office/drawing/2014/main" id="{5F08D76B-6FAE-BF98-64B4-7B61E28632DF}"/>
+              </a:ext>
+            </a:extLst>
+          </p:cNvPr>
+          <p:cNvSpPr/>
+          <p:nvPr/>
+        </p:nvSpPr>
+        <p:spPr>
+          <a:xfrm>
+            <a:off x="8017098" y="4614559"/>
+            <a:ext cx="1839871" cy="2065339"/>
+          </a:xfrm>
+          <a:prstGeom prst="rect">
+            <a:avLst/>
+          </a:prstGeom>
+          <a:noFill/>
+          <a:ln>
+            <a:solidFill>
+              <a:srgbClr val="FF0000"/>
+            </a:solidFill>
+          </a:ln>
+        </p:spPr>
+        <p:style>
+          <a:lnRef idx="2">
+            <a:schemeClr val="accent1">
+              <a:shade val="15000"/>
+            </a:schemeClr>
+          </a:lnRef>
+          <a:fillRef idx="1">
+            <a:schemeClr val="accent1"/>
+          </a:fillRef>
+          <a:effectRef idx="0">
+            <a:schemeClr val="accent1"/>
+          </a:effectRef>
+          <a:fontRef idx="minor">
+            <a:schemeClr val="lt1"/>
+          </a:fontRef>
+        </p:style>
+        <p:txBody>
+          <a:bodyPr rtlCol="0" anchor="ctr"/>
+          <a:lstStyle/>
+          <a:p>
+            <a:pPr algn="ctr"/>
+            <a:endParaRPr lang="en-US"/>
+          </a:p>
+        </p:txBody>
+      </p:sp>
+      <p:sp>
+        <p:nvSpPr>
+          <p:cNvPr id="40" name="TextBox 39">
+            <a:extLst>
+              <a:ext uri="{FF2B5EF4-FFF2-40B4-BE49-F238E27FC236}">
+                <a16:creationId xmlns:a16="http://schemas.microsoft.com/office/drawing/2014/main" id="{1CC874B3-8A79-370A-38CF-55BDA2A2D138}"/>
+              </a:ext>
+            </a:extLst>
+          </p:cNvPr>
+          <p:cNvSpPr txBox="1"/>
+          <p:nvPr/>
+        </p:nvSpPr>
+        <p:spPr>
+          <a:xfrm>
+            <a:off x="8553622" y="5274522"/>
+            <a:ext cx="822872" cy="369332"/>
+          </a:xfrm>
+          <a:prstGeom prst="rect">
+            <a:avLst/>
+          </a:prstGeom>
+          <a:noFill/>
+        </p:spPr>
+        <p:txBody>
+          <a:bodyPr wrap="square" rtlCol="0">
+            <a:spAutoFit/>
+          </a:bodyPr>
+          <a:lstStyle/>
+          <a:p>
+            <a:r>
+              <a:rPr lang="en-US" dirty="0">
+                <a:solidFill>
+                  <a:srgbClr val="FF0000"/>
+                </a:solidFill>
+              </a:rPr>
+              <a:t>im4</a:t>
+            </a:r>
+          </a:p>
+        </p:txBody>
+      </p:sp>
+      <p:sp>
+        <p:nvSpPr>
+          <p:cNvPr id="41" name="TextBox 40">
+            <a:extLst>
+              <a:ext uri="{FF2B5EF4-FFF2-40B4-BE49-F238E27FC236}">
+                <a16:creationId xmlns:a16="http://schemas.microsoft.com/office/drawing/2014/main" id="{DD209BA4-D30E-22D7-1E01-E75CED30DF90}"/>
+              </a:ext>
+            </a:extLst>
+          </p:cNvPr>
+          <p:cNvSpPr txBox="1"/>
+          <p:nvPr/>
+        </p:nvSpPr>
+        <p:spPr>
+          <a:xfrm>
+            <a:off x="8014137" y="4662272"/>
+            <a:ext cx="1622202" cy="307777"/>
+          </a:xfrm>
+          <a:prstGeom prst="rect">
+            <a:avLst/>
+          </a:prstGeom>
+          <a:noFill/>
+        </p:spPr>
+        <p:txBody>
+          <a:bodyPr wrap="square" rtlCol="0">
+            <a:spAutoFit/>
+          </a:bodyPr>
+          <a:lstStyle/>
+          <a:p>
+            <a:r>
+              <a:rPr lang="en-US" sz="1400" dirty="0">
+                <a:solidFill>
+                  <a:srgbClr val="FF0000"/>
+                </a:solidFill>
+              </a:rPr>
+              <a:t>s+w0, s+h3</a:t>
+            </a:r>
+          </a:p>
+        </p:txBody>
+      </p:sp>
+      <p:sp>
+        <p:nvSpPr>
+          <p:cNvPr id="42" name="TextBox 41">
+            <a:extLst>
+              <a:ext uri="{FF2B5EF4-FFF2-40B4-BE49-F238E27FC236}">
+                <a16:creationId xmlns:a16="http://schemas.microsoft.com/office/drawing/2014/main" id="{F890C8C2-6767-C260-A4DE-CA6D44BE3883}"/>
+              </a:ext>
+            </a:extLst>
+          </p:cNvPr>
+          <p:cNvSpPr txBox="1"/>
+          <p:nvPr/>
+        </p:nvSpPr>
+        <p:spPr>
+          <a:xfrm>
+            <a:off x="8045162" y="5957008"/>
+            <a:ext cx="2271458" cy="523220"/>
+          </a:xfrm>
+          <a:prstGeom prst="rect">
+            <a:avLst/>
+          </a:prstGeom>
+          <a:noFill/>
+        </p:spPr>
+        <p:txBody>
+          <a:bodyPr wrap="square" rtlCol="0">
+            <a:spAutoFit/>
+          </a:bodyPr>
+          <a:lstStyle/>
+          <a:p>
+            <a:r>
+              <a:rPr lang="en-US" sz="1400" dirty="0">
+                <a:solidFill>
+                  <a:srgbClr val="FF0000"/>
+                </a:solidFill>
+              </a:rPr>
+              <a:t>max(s+w0+w4,3*s), max(s+h3+h4, 3*s)</a:t>
+            </a:r>
+          </a:p>
+        </p:txBody>
+      </p:sp>
+      <p:sp>
+        <p:nvSpPr>
+          <p:cNvPr id="43" name="Rectangle 42">
+            <a:extLst>
+              <a:ext uri="{FF2B5EF4-FFF2-40B4-BE49-F238E27FC236}">
+                <a16:creationId xmlns:a16="http://schemas.microsoft.com/office/drawing/2014/main" id="{7D1B6BDB-6F9F-4ED5-1A50-FB89376B1BE2}"/>
+              </a:ext>
+            </a:extLst>
+          </p:cNvPr>
+          <p:cNvSpPr/>
+          <p:nvPr/>
+        </p:nvSpPr>
+        <p:spPr>
+          <a:xfrm>
+            <a:off x="5995851" y="4935415"/>
+            <a:ext cx="1996326" cy="1665138"/>
+          </a:xfrm>
+          <a:prstGeom prst="rect">
+            <a:avLst/>
+          </a:prstGeom>
+          <a:noFill/>
+          <a:ln>
+            <a:solidFill>
+              <a:schemeClr val="accent6">
+                <a:lumMod val="50000"/>
+              </a:schemeClr>
+            </a:solidFill>
+          </a:ln>
+        </p:spPr>
+        <p:style>
+          <a:lnRef idx="2">
+            <a:schemeClr val="accent1">
+              <a:shade val="15000"/>
+            </a:schemeClr>
+          </a:lnRef>
+          <a:fillRef idx="1">
+            <a:schemeClr val="accent1"/>
+          </a:fillRef>
+          <a:effectRef idx="0">
+            <a:schemeClr val="accent1"/>
+          </a:effectRef>
+          <a:fontRef idx="minor">
+            <a:schemeClr val="lt1"/>
+          </a:fontRef>
+        </p:style>
+        <p:txBody>
+          <a:bodyPr rtlCol="0" anchor="ctr"/>
+          <a:lstStyle/>
+          <a:p>
+            <a:pPr algn="ctr"/>
+            <a:endParaRPr lang="en-US"/>
+          </a:p>
+        </p:txBody>
+      </p:sp>
+      <p:sp>
+        <p:nvSpPr>
+          <p:cNvPr id="44" name="TextBox 43">
+            <a:extLst>
+              <a:ext uri="{FF2B5EF4-FFF2-40B4-BE49-F238E27FC236}">
+                <a16:creationId xmlns:a16="http://schemas.microsoft.com/office/drawing/2014/main" id="{929F9804-6DD2-28A1-AAD5-A588C1326AE0}"/>
+              </a:ext>
+            </a:extLst>
+          </p:cNvPr>
+          <p:cNvSpPr txBox="1"/>
+          <p:nvPr/>
+        </p:nvSpPr>
+        <p:spPr>
+          <a:xfrm>
+            <a:off x="6392412" y="5443380"/>
+            <a:ext cx="822872" cy="369332"/>
+          </a:xfrm>
+          <a:prstGeom prst="rect">
+            <a:avLst/>
+          </a:prstGeom>
+          <a:noFill/>
+        </p:spPr>
+        <p:txBody>
+          <a:bodyPr wrap="square" rtlCol="0">
+            <a:spAutoFit/>
+          </a:bodyPr>
+          <a:lstStyle/>
+          <a:p>
+            <a:r>
+              <a:rPr lang="en-US" dirty="0">
+                <a:solidFill>
+                  <a:schemeClr val="accent6">
+                    <a:lumMod val="50000"/>
+                  </a:schemeClr>
+                </a:solidFill>
+              </a:rPr>
+              <a:t>im5</a:t>
+            </a:r>
+          </a:p>
+        </p:txBody>
+      </p:sp>
+      <p:sp>
+        <p:nvSpPr>
+          <p:cNvPr id="45" name="TextBox 44">
+            <a:extLst>
+              <a:ext uri="{FF2B5EF4-FFF2-40B4-BE49-F238E27FC236}">
+                <a16:creationId xmlns:a16="http://schemas.microsoft.com/office/drawing/2014/main" id="{077EC2BB-D587-4D60-3671-5F3D3278BD6C}"/>
+              </a:ext>
+            </a:extLst>
+          </p:cNvPr>
+          <p:cNvSpPr txBox="1"/>
+          <p:nvPr/>
+        </p:nvSpPr>
+        <p:spPr>
+          <a:xfrm>
+            <a:off x="5977807" y="4948186"/>
+            <a:ext cx="2271458" cy="307777"/>
+          </a:xfrm>
+          <a:prstGeom prst="rect">
+            <a:avLst/>
+          </a:prstGeom>
+          <a:noFill/>
+        </p:spPr>
+        <p:txBody>
+          <a:bodyPr wrap="square" rtlCol="0">
+            <a:spAutoFit/>
+          </a:bodyPr>
+          <a:lstStyle/>
+          <a:p>
+            <a:r>
+              <a:rPr lang="en-US" sz="1400" dirty="0">
+                <a:solidFill>
+                  <a:schemeClr val="accent6">
+                    <a:lumMod val="50000"/>
+                  </a:schemeClr>
+                </a:solidFill>
+              </a:rPr>
+              <a:t>s+w0-w5, s+h0</a:t>
+            </a:r>
+          </a:p>
+        </p:txBody>
+      </p:sp>
+      <p:sp>
+        <p:nvSpPr>
+          <p:cNvPr id="46" name="TextBox 45">
+            <a:extLst>
+              <a:ext uri="{FF2B5EF4-FFF2-40B4-BE49-F238E27FC236}">
+                <a16:creationId xmlns:a16="http://schemas.microsoft.com/office/drawing/2014/main" id="{76BBA200-770F-5223-86DB-7481B68C0799}"/>
+              </a:ext>
+            </a:extLst>
+          </p:cNvPr>
+          <p:cNvSpPr txBox="1"/>
+          <p:nvPr/>
+        </p:nvSpPr>
+        <p:spPr>
+          <a:xfrm>
+            <a:off x="6007432" y="6184557"/>
+            <a:ext cx="2271458" cy="307777"/>
+          </a:xfrm>
+          <a:prstGeom prst="rect">
+            <a:avLst/>
+          </a:prstGeom>
+          <a:noFill/>
+        </p:spPr>
+        <p:txBody>
+          <a:bodyPr wrap="square" rtlCol="0">
+            <a:spAutoFit/>
+          </a:bodyPr>
+          <a:lstStyle/>
+          <a:p>
+            <a:r>
+              <a:rPr lang="en-US" sz="1400" dirty="0">
+                <a:solidFill>
+                  <a:schemeClr val="accent6">
+                    <a:lumMod val="50000"/>
+                  </a:schemeClr>
+                </a:solidFill>
+              </a:rPr>
+              <a:t>s+w0, max(3*s, s+h0+h5)</a:t>
+            </a:r>
+          </a:p>
+        </p:txBody>
+      </p:sp>
+      <p:sp>
+        <p:nvSpPr>
+          <p:cNvPr id="47" name="Rectangle 46">
+            <a:extLst>
+              <a:ext uri="{FF2B5EF4-FFF2-40B4-BE49-F238E27FC236}">
+                <a16:creationId xmlns:a16="http://schemas.microsoft.com/office/drawing/2014/main" id="{A4D9B875-4E01-250B-5ABC-E1A5F65AEA1E}"/>
+              </a:ext>
+            </a:extLst>
+          </p:cNvPr>
+          <p:cNvSpPr/>
+          <p:nvPr/>
+        </p:nvSpPr>
+        <p:spPr>
+          <a:xfrm>
+            <a:off x="3926536" y="4933084"/>
+            <a:ext cx="2056636" cy="1665138"/>
+          </a:xfrm>
+          <a:prstGeom prst="rect">
+            <a:avLst/>
+          </a:prstGeom>
+          <a:noFill/>
+          <a:ln>
+            <a:solidFill>
+              <a:schemeClr val="accent5">
+                <a:lumMod val="75000"/>
+              </a:schemeClr>
+            </a:solidFill>
+          </a:ln>
+        </p:spPr>
+        <p:style>
+          <a:lnRef idx="2">
+            <a:schemeClr val="accent1">
+              <a:shade val="15000"/>
+            </a:schemeClr>
+          </a:lnRef>
+          <a:fillRef idx="1">
+            <a:schemeClr val="accent1"/>
+          </a:fillRef>
+          <a:effectRef idx="0">
+            <a:schemeClr val="accent1"/>
+          </a:effectRef>
+          <a:fontRef idx="minor">
+            <a:schemeClr val="lt1"/>
+          </a:fontRef>
+        </p:style>
+        <p:txBody>
+          <a:bodyPr rtlCol="0" anchor="ctr"/>
+          <a:lstStyle/>
+          <a:p>
+            <a:pPr algn="ctr"/>
+            <a:endParaRPr lang="en-US"/>
+          </a:p>
+        </p:txBody>
+      </p:sp>
+      <p:sp>
+        <p:nvSpPr>
+          <p:cNvPr id="48" name="TextBox 47">
+            <a:extLst>
+              <a:ext uri="{FF2B5EF4-FFF2-40B4-BE49-F238E27FC236}">
+                <a16:creationId xmlns:a16="http://schemas.microsoft.com/office/drawing/2014/main" id="{3D48D87A-E592-7C5D-174B-03ABEC9B1E66}"/>
+              </a:ext>
+            </a:extLst>
+          </p:cNvPr>
+          <p:cNvSpPr txBox="1"/>
+          <p:nvPr/>
+        </p:nvSpPr>
+        <p:spPr>
+          <a:xfrm>
+            <a:off x="3904201" y="4948186"/>
+            <a:ext cx="2056636" cy="523220"/>
+          </a:xfrm>
+          <a:prstGeom prst="rect">
+            <a:avLst/>
+          </a:prstGeom>
+          <a:noFill/>
+        </p:spPr>
+        <p:txBody>
+          <a:bodyPr wrap="square" rtlCol="0">
+            <a:spAutoFit/>
+          </a:bodyPr>
+          <a:lstStyle/>
+          <a:p>
+            <a:r>
+              <a:rPr lang="en-US" sz="1400" dirty="0">
+                <a:solidFill>
+                  <a:srgbClr val="7030A0"/>
+                </a:solidFill>
+              </a:rPr>
+              <a:t>max(0, s+w0-w5-w6), s+h0</a:t>
+            </a:r>
+          </a:p>
+        </p:txBody>
+      </p:sp>
+      <p:sp>
+        <p:nvSpPr>
+          <p:cNvPr id="49" name="TextBox 48">
+            <a:extLst>
+              <a:ext uri="{FF2B5EF4-FFF2-40B4-BE49-F238E27FC236}">
+                <a16:creationId xmlns:a16="http://schemas.microsoft.com/office/drawing/2014/main" id="{F2072F8D-6F0B-A0FE-34DE-5CB3241836EC}"/>
+              </a:ext>
+            </a:extLst>
+          </p:cNvPr>
+          <p:cNvSpPr txBox="1"/>
+          <p:nvPr/>
+        </p:nvSpPr>
+        <p:spPr>
+          <a:xfrm>
+            <a:off x="4396086" y="5543629"/>
+            <a:ext cx="822872" cy="369332"/>
+          </a:xfrm>
+          <a:prstGeom prst="rect">
+            <a:avLst/>
+          </a:prstGeom>
+          <a:noFill/>
+        </p:spPr>
+        <p:txBody>
+          <a:bodyPr wrap="square" rtlCol="0">
+            <a:spAutoFit/>
+          </a:bodyPr>
+          <a:lstStyle/>
+          <a:p>
+            <a:r>
+              <a:rPr lang="en-US" dirty="0">
+                <a:solidFill>
+                  <a:srgbClr val="7030A0"/>
+                </a:solidFill>
+              </a:rPr>
+              <a:t>im6</a:t>
+            </a:r>
+          </a:p>
+        </p:txBody>
+      </p:sp>
+      <p:sp>
+        <p:nvSpPr>
+          <p:cNvPr id="50" name="TextBox 49">
+            <a:extLst>
+              <a:ext uri="{FF2B5EF4-FFF2-40B4-BE49-F238E27FC236}">
+                <a16:creationId xmlns:a16="http://schemas.microsoft.com/office/drawing/2014/main" id="{A8CB8900-5058-726E-5A20-67B09B7EF232}"/>
+              </a:ext>
+            </a:extLst>
+          </p:cNvPr>
+          <p:cNvSpPr txBox="1"/>
+          <p:nvPr/>
+        </p:nvSpPr>
+        <p:spPr>
+          <a:xfrm>
+            <a:off x="3950570" y="6052756"/>
+            <a:ext cx="2056636" cy="523220"/>
+          </a:xfrm>
+          <a:prstGeom prst="rect">
+            <a:avLst/>
+          </a:prstGeom>
+          <a:noFill/>
+        </p:spPr>
+        <p:txBody>
+          <a:bodyPr wrap="square" rtlCol="0">
+            <a:spAutoFit/>
+          </a:bodyPr>
+          <a:lstStyle/>
+          <a:p>
+            <a:pPr algn="r"/>
+            <a:r>
+              <a:rPr lang="en-US" sz="1400" dirty="0">
+                <a:solidFill>
+                  <a:srgbClr val="7030A0"/>
+                </a:solidFill>
+              </a:rPr>
+              <a:t>s+w0-w5, max(3*s, s+h0+h6)</a:t>
+            </a:r>
+          </a:p>
+        </p:txBody>
+      </p:sp>
+      <p:sp>
+        <p:nvSpPr>
+          <p:cNvPr id="51" name="Rectangle 50">
+            <a:extLst>
+              <a:ext uri="{FF2B5EF4-FFF2-40B4-BE49-F238E27FC236}">
+                <a16:creationId xmlns:a16="http://schemas.microsoft.com/office/drawing/2014/main" id="{54E89D3F-7D0F-32CD-82CF-863C46BFDBF7}"/>
+              </a:ext>
+            </a:extLst>
+          </p:cNvPr>
+          <p:cNvSpPr/>
+          <p:nvPr/>
+        </p:nvSpPr>
+        <p:spPr>
+          <a:xfrm>
+            <a:off x="3403347" y="2921938"/>
+            <a:ext cx="2286000" cy="2011266"/>
+          </a:xfrm>
+          <a:prstGeom prst="rect">
+            <a:avLst/>
+          </a:prstGeom>
+          <a:noFill/>
+          <a:ln>
+            <a:solidFill>
+              <a:srgbClr val="996633"/>
+            </a:solidFill>
+          </a:ln>
+        </p:spPr>
+        <p:style>
+          <a:lnRef idx="2">
+            <a:schemeClr val="accent1">
+              <a:shade val="15000"/>
+            </a:schemeClr>
+          </a:lnRef>
+          <a:fillRef idx="1">
+            <a:schemeClr val="accent1"/>
+          </a:fillRef>
+          <a:effectRef idx="0">
+            <a:schemeClr val="accent1"/>
+          </a:effectRef>
+          <a:fontRef idx="minor">
+            <a:schemeClr val="lt1"/>
+          </a:fontRef>
+        </p:style>
+        <p:txBody>
+          <a:bodyPr rtlCol="0" anchor="ctr"/>
+          <a:lstStyle/>
+          <a:p>
+            <a:pPr algn="ctr"/>
+            <a:endParaRPr lang="en-US"/>
+          </a:p>
+        </p:txBody>
+      </p:sp>
+      <p:sp>
+        <p:nvSpPr>
+          <p:cNvPr id="52" name="TextBox 51">
+            <a:extLst>
+              <a:ext uri="{FF2B5EF4-FFF2-40B4-BE49-F238E27FC236}">
+                <a16:creationId xmlns:a16="http://schemas.microsoft.com/office/drawing/2014/main" id="{F26766B8-CA05-F896-B646-E76731DC0FD9}"/>
+              </a:ext>
+            </a:extLst>
+          </p:cNvPr>
+          <p:cNvSpPr txBox="1"/>
+          <p:nvPr/>
+        </p:nvSpPr>
+        <p:spPr>
+          <a:xfrm>
+            <a:off x="4264951" y="3413159"/>
+            <a:ext cx="746664" cy="369332"/>
+          </a:xfrm>
+          <a:prstGeom prst="rect">
+            <a:avLst/>
+          </a:prstGeom>
+          <a:noFill/>
+        </p:spPr>
+        <p:txBody>
+          <a:bodyPr wrap="square" rtlCol="0">
+            <a:spAutoFit/>
+          </a:bodyPr>
+          <a:lstStyle/>
+          <a:p>
+            <a:r>
+              <a:rPr lang="en-US" dirty="0">
+                <a:solidFill>
+                  <a:srgbClr val="996633"/>
+                </a:solidFill>
+              </a:rPr>
+              <a:t>im7</a:t>
+            </a:r>
+          </a:p>
+        </p:txBody>
+      </p:sp>
+      <p:sp>
+        <p:nvSpPr>
+          <p:cNvPr id="53" name="TextBox 52">
+            <a:extLst>
+              <a:ext uri="{FF2B5EF4-FFF2-40B4-BE49-F238E27FC236}">
+                <a16:creationId xmlns:a16="http://schemas.microsoft.com/office/drawing/2014/main" id="{B48E2E50-A90D-DFA3-5BE5-115605AD584D}"/>
+              </a:ext>
+            </a:extLst>
+          </p:cNvPr>
+          <p:cNvSpPr txBox="1"/>
+          <p:nvPr/>
+        </p:nvSpPr>
+        <p:spPr>
+          <a:xfrm>
+            <a:off x="3604680" y="2911130"/>
+            <a:ext cx="1406936" cy="523220"/>
+          </a:xfrm>
+          <a:prstGeom prst="rect">
+            <a:avLst/>
+          </a:prstGeom>
+          <a:noFill/>
+        </p:spPr>
+        <p:txBody>
+          <a:bodyPr wrap="square" rtlCol="0">
+            <a:spAutoFit/>
+          </a:bodyPr>
+          <a:lstStyle/>
+          <a:p>
+            <a:r>
+              <a:rPr lang="en-US" sz="1400" dirty="0">
+                <a:solidFill>
+                  <a:srgbClr val="996633"/>
+                </a:solidFill>
+              </a:rPr>
+              <a:t>max(s-w7, 0),</a:t>
+            </a:r>
+          </a:p>
+          <a:p>
+            <a:r>
+              <a:rPr lang="en-US" sz="1400" dirty="0">
+                <a:solidFill>
+                  <a:srgbClr val="996633"/>
+                </a:solidFill>
+              </a:rPr>
+              <a:t>s+h0-h7</a:t>
+            </a:r>
+          </a:p>
+        </p:txBody>
+      </p:sp>
+      <p:sp>
+        <p:nvSpPr>
+          <p:cNvPr id="54" name="TextBox 53">
+            <a:extLst>
+              <a:ext uri="{FF2B5EF4-FFF2-40B4-BE49-F238E27FC236}">
+                <a16:creationId xmlns:a16="http://schemas.microsoft.com/office/drawing/2014/main" id="{DCBF89D7-9386-900C-C0D6-487D36E0B971}"/>
+              </a:ext>
+            </a:extLst>
+          </p:cNvPr>
+          <p:cNvSpPr txBox="1"/>
+          <p:nvPr/>
+        </p:nvSpPr>
+        <p:spPr>
+          <a:xfrm>
+            <a:off x="4892530" y="4603436"/>
+            <a:ext cx="1406936" cy="307777"/>
+          </a:xfrm>
+          <a:prstGeom prst="rect">
+            <a:avLst/>
+          </a:prstGeom>
+          <a:noFill/>
+        </p:spPr>
+        <p:txBody>
+          <a:bodyPr wrap="square" rtlCol="0">
+            <a:spAutoFit/>
+          </a:bodyPr>
+          <a:lstStyle/>
+          <a:p>
+            <a:r>
+              <a:rPr lang="en-US" sz="1400" dirty="0">
+                <a:solidFill>
+                  <a:srgbClr val="996633"/>
+                </a:solidFill>
+              </a:rPr>
+              <a:t>s, s+h0</a:t>
+            </a:r>
+          </a:p>
+        </p:txBody>
+      </p:sp>
+      <p:sp>
+        <p:nvSpPr>
+          <p:cNvPr id="55" name="Rectangle 54">
+            <a:extLst>
+              <a:ext uri="{FF2B5EF4-FFF2-40B4-BE49-F238E27FC236}">
+                <a16:creationId xmlns:a16="http://schemas.microsoft.com/office/drawing/2014/main" id="{6C99CC87-B778-B187-6289-273E1C0FA0ED}"/>
+              </a:ext>
+            </a:extLst>
+          </p:cNvPr>
+          <p:cNvSpPr/>
+          <p:nvPr/>
+        </p:nvSpPr>
+        <p:spPr>
+          <a:xfrm>
+            <a:off x="3348339" y="918106"/>
+            <a:ext cx="2286000" cy="2011266"/>
+          </a:xfrm>
+          <a:prstGeom prst="rect">
+            <a:avLst/>
+          </a:prstGeom>
+          <a:noFill/>
+          <a:ln>
+            <a:solidFill>
+              <a:srgbClr val="FF0000"/>
+            </a:solidFill>
+          </a:ln>
+        </p:spPr>
+        <p:style>
+          <a:lnRef idx="2">
+            <a:schemeClr val="accent1">
+              <a:shade val="15000"/>
+            </a:schemeClr>
+          </a:lnRef>
+          <a:fillRef idx="1">
+            <a:schemeClr val="accent1"/>
+          </a:fillRef>
+          <a:effectRef idx="0">
+            <a:schemeClr val="accent1"/>
+          </a:effectRef>
+          <a:fontRef idx="minor">
+            <a:schemeClr val="lt1"/>
+          </a:fontRef>
+        </p:style>
+        <p:txBody>
+          <a:bodyPr rtlCol="0" anchor="ctr"/>
+          <a:lstStyle/>
+          <a:p>
+            <a:pPr algn="ctr"/>
+            <a:endParaRPr lang="en-US"/>
+          </a:p>
+        </p:txBody>
+      </p:sp>
+      <p:sp>
+        <p:nvSpPr>
+          <p:cNvPr id="56" name="TextBox 55">
+            <a:extLst>
+              <a:ext uri="{FF2B5EF4-FFF2-40B4-BE49-F238E27FC236}">
+                <a16:creationId xmlns:a16="http://schemas.microsoft.com/office/drawing/2014/main" id="{0C509425-39D9-18D9-B467-2842378345D1}"/>
+              </a:ext>
+            </a:extLst>
+          </p:cNvPr>
+          <p:cNvSpPr txBox="1"/>
+          <p:nvPr/>
+        </p:nvSpPr>
+        <p:spPr>
+          <a:xfrm>
+            <a:off x="3616532" y="890830"/>
+            <a:ext cx="1406936" cy="523220"/>
+          </a:xfrm>
+          <a:prstGeom prst="rect">
+            <a:avLst/>
+          </a:prstGeom>
+          <a:noFill/>
+        </p:spPr>
+        <p:txBody>
+          <a:bodyPr wrap="square" rtlCol="0">
+            <a:spAutoFit/>
+          </a:bodyPr>
+          <a:lstStyle/>
+          <a:p>
+            <a:r>
+              <a:rPr lang="en-US" sz="1400" dirty="0">
+                <a:solidFill>
+                  <a:srgbClr val="FF0000"/>
+                </a:solidFill>
+              </a:rPr>
+              <a:t>max(s-w8, 0),</a:t>
+            </a:r>
+          </a:p>
+          <a:p>
+            <a:r>
+              <a:rPr lang="en-US" sz="1400" dirty="0">
+                <a:solidFill>
+                  <a:srgbClr val="FF0000"/>
+                </a:solidFill>
+              </a:rPr>
+              <a:t>s+h0-h7-h8</a:t>
+            </a:r>
+          </a:p>
+        </p:txBody>
+      </p:sp>
+      <p:sp>
+        <p:nvSpPr>
+          <p:cNvPr id="57" name="TextBox 56">
+            <a:extLst>
+              <a:ext uri="{FF2B5EF4-FFF2-40B4-BE49-F238E27FC236}">
+                <a16:creationId xmlns:a16="http://schemas.microsoft.com/office/drawing/2014/main" id="{69BDDF6A-3080-A1AC-CC65-94670DD733A4}"/>
+              </a:ext>
+            </a:extLst>
+          </p:cNvPr>
+          <p:cNvSpPr txBox="1"/>
+          <p:nvPr/>
+        </p:nvSpPr>
+        <p:spPr>
+          <a:xfrm>
+            <a:off x="4378501" y="1772589"/>
+            <a:ext cx="746664" cy="369332"/>
+          </a:xfrm>
+          <a:prstGeom prst="rect">
+            <a:avLst/>
+          </a:prstGeom>
+          <a:noFill/>
+        </p:spPr>
+        <p:txBody>
+          <a:bodyPr wrap="square" rtlCol="0">
+            <a:spAutoFit/>
+          </a:bodyPr>
+          <a:lstStyle/>
+          <a:p>
+            <a:r>
+              <a:rPr lang="en-US" dirty="0">
+                <a:solidFill>
+                  <a:srgbClr val="FF0000"/>
+                </a:solidFill>
+              </a:rPr>
+              <a:t>im8</a:t>
+            </a:r>
+          </a:p>
+        </p:txBody>
+      </p:sp>
+      <p:sp>
+        <p:nvSpPr>
+          <p:cNvPr id="58" name="TextBox 57">
+            <a:extLst>
+              <a:ext uri="{FF2B5EF4-FFF2-40B4-BE49-F238E27FC236}">
+                <a16:creationId xmlns:a16="http://schemas.microsoft.com/office/drawing/2014/main" id="{C08D1627-28B1-9AC4-EC68-C1B609A851A6}"/>
+              </a:ext>
+            </a:extLst>
+          </p:cNvPr>
+          <p:cNvSpPr txBox="1"/>
+          <p:nvPr/>
+        </p:nvSpPr>
+        <p:spPr>
+          <a:xfrm>
+            <a:off x="4668891" y="2611739"/>
+            <a:ext cx="1406936" cy="307777"/>
+          </a:xfrm>
+          <a:prstGeom prst="rect">
+            <a:avLst/>
+          </a:prstGeom>
+          <a:noFill/>
+        </p:spPr>
+        <p:txBody>
+          <a:bodyPr wrap="square" rtlCol="0">
+            <a:spAutoFit/>
+          </a:bodyPr>
+          <a:lstStyle/>
+          <a:p>
+            <a:r>
+              <a:rPr lang="en-US" sz="1400" dirty="0">
+                <a:solidFill>
+                  <a:srgbClr val="FF0000"/>
+                </a:solidFill>
+              </a:rPr>
+              <a:t>s, s+h0-h7</a:t>
+            </a:r>
+          </a:p>
+        </p:txBody>
+      </p:sp>
+      <p:sp>
+        <p:nvSpPr>
+          <p:cNvPr id="59" name="TextBox 58">
+            <a:extLst>
+              <a:ext uri="{FF2B5EF4-FFF2-40B4-BE49-F238E27FC236}">
+                <a16:creationId xmlns:a16="http://schemas.microsoft.com/office/drawing/2014/main" id="{EA193319-DD7B-F24D-28B8-B60A28DF2F6F}"/>
+              </a:ext>
+            </a:extLst>
+          </p:cNvPr>
+          <p:cNvSpPr txBox="1"/>
+          <p:nvPr/>
+        </p:nvSpPr>
+        <p:spPr>
+          <a:xfrm>
+            <a:off x="1110056" y="1166842"/>
+            <a:ext cx="1319514" cy="369332"/>
+          </a:xfrm>
+          <a:prstGeom prst="rect">
+            <a:avLst/>
+          </a:prstGeom>
+          <a:noFill/>
+        </p:spPr>
+        <p:txBody>
+          <a:bodyPr wrap="square" rtlCol="0">
+            <a:spAutoFit/>
+          </a:bodyPr>
+          <a:lstStyle/>
+          <a:p>
+            <a:r>
+              <a:rPr lang="en-US" dirty="0"/>
+              <a:t>Mosaic 9</a:t>
+            </a:r>
+          </a:p>
+        </p:txBody>
+      </p:sp>
+      <p:sp>
+        <p:nvSpPr>
+          <p:cNvPr id="60" name="Rectangle 59">
+            <a:extLst>
+              <a:ext uri="{FF2B5EF4-FFF2-40B4-BE49-F238E27FC236}">
+                <a16:creationId xmlns:a16="http://schemas.microsoft.com/office/drawing/2014/main" id="{4367B985-6132-85B8-44FB-08BDDBB7FAD2}"/>
+              </a:ext>
+            </a:extLst>
+          </p:cNvPr>
+          <p:cNvSpPr/>
+          <p:nvPr/>
+        </p:nvSpPr>
+        <p:spPr>
+          <a:xfrm>
+            <a:off x="4638283" y="1699609"/>
+            <a:ext cx="3764907" cy="3866777"/>
+          </a:xfrm>
+          <a:prstGeom prst="rect">
+            <a:avLst/>
+          </a:prstGeom>
+          <a:noFill/>
+          <a:ln w="76200">
+            <a:solidFill>
+              <a:schemeClr val="tx1"/>
+            </a:solidFill>
+          </a:ln>
+        </p:spPr>
+        <p:style>
+          <a:lnRef idx="2">
+            <a:schemeClr val="accent1">
+              <a:shade val="15000"/>
+            </a:schemeClr>
+          </a:lnRef>
+          <a:fillRef idx="1">
+            <a:schemeClr val="accent1"/>
+          </a:fillRef>
+          <a:effectRef idx="0">
+            <a:schemeClr val="accent1"/>
+          </a:effectRef>
+          <a:fontRef idx="minor">
+            <a:schemeClr val="lt1"/>
+          </a:fontRef>
+        </p:style>
+        <p:txBody>
+          <a:bodyPr rtlCol="0" anchor="ctr"/>
+          <a:lstStyle/>
+          <a:p>
+            <a:pPr algn="ctr"/>
+            <a:endParaRPr lang="en-US"/>
+          </a:p>
+        </p:txBody>
+      </p:sp>
+    </p:spTree>
+    <p:extLst>
+      <p:ext uri="{BB962C8B-B14F-4D97-AF65-F5344CB8AC3E}">
+        <p14:creationId xmlns:p14="http://schemas.microsoft.com/office/powerpoint/2010/main" val="2566231874"/>
       </p:ext>
     </p:extLst>
   </p:cSld>
